--- a/presentation/michath_slides.pptx
+++ b/presentation/michath_slides.pptx
@@ -4,11 +4,20 @@
   <p:sldMasterIdLst>
     <p:sldMasterId id="2147483660" r:id="rId1"/>
   </p:sldMasterIdLst>
+  <p:notesMasterIdLst>
+    <p:notesMasterId r:id="rId12"/>
+  </p:notesMasterIdLst>
   <p:sldIdLst>
     <p:sldId id="256" r:id="rId2"/>
     <p:sldId id="257" r:id="rId3"/>
     <p:sldId id="258" r:id="rId4"/>
     <p:sldId id="259" r:id="rId5"/>
+    <p:sldId id="260" r:id="rId6"/>
+    <p:sldId id="261" r:id="rId7"/>
+    <p:sldId id="262" r:id="rId8"/>
+    <p:sldId id="263" r:id="rId9"/>
+    <p:sldId id="264" r:id="rId10"/>
+    <p:sldId id="268" r:id="rId11"/>
   </p:sldIdLst>
   <p:sldSz cx="9144000" cy="6858000" type="screen4x3"/>
   <p:notesSz cx="6858000" cy="9144000"/>
@@ -110,6 +119,356 @@
 </p:presentation>
 </file>
 
+<file path=ppt/notesMasters/notesMaster1.xml><?xml version="1.0" encoding="utf-8"?>
+<p:notesMaster xmlns:a="http://schemas.openxmlformats.org/drawingml/2006/main" xmlns:r="http://schemas.openxmlformats.org/officeDocument/2006/relationships" xmlns:p="http://schemas.openxmlformats.org/presentationml/2006/main">
+  <p:cSld>
+    <p:bg>
+      <p:bgRef idx="1001">
+        <a:schemeClr val="bg1"/>
+      </p:bgRef>
+    </p:bg>
+    <p:spTree>
+      <p:nvGrpSpPr>
+        <p:cNvPr id="1" name=""/>
+        <p:cNvGrpSpPr/>
+        <p:nvPr/>
+      </p:nvGrpSpPr>
+      <p:grpSpPr>
+        <a:xfrm>
+          <a:off x="0" y="0"/>
+          <a:ext cx="0" cy="0"/>
+          <a:chOff x="0" y="0"/>
+          <a:chExt cx="0" cy="0"/>
+        </a:xfrm>
+      </p:grpSpPr>
+      <p:sp>
+        <p:nvSpPr>
+          <p:cNvPr id="2" name="Θέση κεφαλίδας 1"/>
+          <p:cNvSpPr>
+            <a:spLocks noGrp="1"/>
+          </p:cNvSpPr>
+          <p:nvPr>
+            <p:ph type="hdr" sz="quarter"/>
+          </p:nvPr>
+        </p:nvSpPr>
+        <p:spPr>
+          <a:xfrm>
+            <a:off x="0" y="0"/>
+            <a:ext cx="2971800" cy="457200"/>
+          </a:xfrm>
+          <a:prstGeom prst="rect">
+            <a:avLst/>
+          </a:prstGeom>
+        </p:spPr>
+        <p:txBody>
+          <a:bodyPr vert="horz" lIns="91440" tIns="45720" rIns="91440" bIns="45720" rtlCol="0"/>
+          <a:lstStyle>
+            <a:lvl1pPr algn="l">
+              <a:defRPr sz="1200"/>
+            </a:lvl1pPr>
+          </a:lstStyle>
+          <a:p>
+            <a:endParaRPr lang="en-US"/>
+          </a:p>
+        </p:txBody>
+      </p:sp>
+      <p:sp>
+        <p:nvSpPr>
+          <p:cNvPr id="3" name="Θέση ημερομηνίας 2"/>
+          <p:cNvSpPr>
+            <a:spLocks noGrp="1"/>
+          </p:cNvSpPr>
+          <p:nvPr>
+            <p:ph type="dt" idx="1"/>
+          </p:nvPr>
+        </p:nvSpPr>
+        <p:spPr>
+          <a:xfrm>
+            <a:off x="3884613" y="0"/>
+            <a:ext cx="2971800" cy="457200"/>
+          </a:xfrm>
+          <a:prstGeom prst="rect">
+            <a:avLst/>
+          </a:prstGeom>
+        </p:spPr>
+        <p:txBody>
+          <a:bodyPr vert="horz" lIns="91440" tIns="45720" rIns="91440" bIns="45720" rtlCol="0"/>
+          <a:lstStyle>
+            <a:lvl1pPr algn="r">
+              <a:defRPr sz="1200"/>
+            </a:lvl1pPr>
+          </a:lstStyle>
+          <a:p>
+            <a:fld id="{56E6D825-14CF-4B20-859D-DEBC615A546A}" type="datetimeFigureOut">
+              <a:rPr lang="en-US" smtClean="0"/>
+              <a:t>05-May-15</a:t>
+            </a:fld>
+            <a:endParaRPr lang="en-US"/>
+          </a:p>
+        </p:txBody>
+      </p:sp>
+      <p:sp>
+        <p:nvSpPr>
+          <p:cNvPr id="4" name="Θέση εικόνας διαφάνειας 3"/>
+          <p:cNvSpPr>
+            <a:spLocks noGrp="1" noRot="1" noChangeAspect="1"/>
+          </p:cNvSpPr>
+          <p:nvPr>
+            <p:ph type="sldImg" idx="2"/>
+          </p:nvPr>
+        </p:nvSpPr>
+        <p:spPr>
+          <a:xfrm>
+            <a:off x="1143000" y="685800"/>
+            <a:ext cx="4572000" cy="3429000"/>
+          </a:xfrm>
+          <a:prstGeom prst="rect">
+            <a:avLst/>
+          </a:prstGeom>
+          <a:noFill/>
+          <a:ln w="12700">
+            <a:solidFill>
+              <a:prstClr val="black"/>
+            </a:solidFill>
+          </a:ln>
+        </p:spPr>
+        <p:txBody>
+          <a:bodyPr vert="horz" lIns="91440" tIns="45720" rIns="91440" bIns="45720" rtlCol="0" anchor="ctr"/>
+          <a:lstStyle/>
+          <a:p>
+            <a:endParaRPr lang="en-US"/>
+          </a:p>
+        </p:txBody>
+      </p:sp>
+      <p:sp>
+        <p:nvSpPr>
+          <p:cNvPr id="5" name="Θέση σημειώσεων 4"/>
+          <p:cNvSpPr>
+            <a:spLocks noGrp="1"/>
+          </p:cNvSpPr>
+          <p:nvPr>
+            <p:ph type="body" sz="quarter" idx="3"/>
+          </p:nvPr>
+        </p:nvSpPr>
+        <p:spPr>
+          <a:xfrm>
+            <a:off x="685800" y="4343400"/>
+            <a:ext cx="5486400" cy="4114800"/>
+          </a:xfrm>
+          <a:prstGeom prst="rect">
+            <a:avLst/>
+          </a:prstGeom>
+        </p:spPr>
+        <p:txBody>
+          <a:bodyPr vert="horz" lIns="91440" tIns="45720" rIns="91440" bIns="45720" rtlCol="0"/>
+          <a:lstStyle/>
+          <a:p>
+            <a:pPr lvl="0"/>
+            <a:r>
+              <a:rPr lang="el-GR" smtClean="0"/>
+              <a:t>Στυλ υποδείγματος κειμένου</a:t>
+            </a:r>
+          </a:p>
+          <a:p>
+            <a:pPr lvl="1"/>
+            <a:r>
+              <a:rPr lang="el-GR" smtClean="0"/>
+              <a:t>Δεύτερου επιπέδου</a:t>
+            </a:r>
+          </a:p>
+          <a:p>
+            <a:pPr lvl="2"/>
+            <a:r>
+              <a:rPr lang="el-GR" smtClean="0"/>
+              <a:t>Τρίτου επιπέδου</a:t>
+            </a:r>
+          </a:p>
+          <a:p>
+            <a:pPr lvl="3"/>
+            <a:r>
+              <a:rPr lang="el-GR" smtClean="0"/>
+              <a:t>Τέταρτου επιπέδου</a:t>
+            </a:r>
+          </a:p>
+          <a:p>
+            <a:pPr lvl="4"/>
+            <a:r>
+              <a:rPr lang="el-GR" smtClean="0"/>
+              <a:t>Πέμπτου επιπέδου</a:t>
+            </a:r>
+            <a:endParaRPr lang="en-US"/>
+          </a:p>
+        </p:txBody>
+      </p:sp>
+      <p:sp>
+        <p:nvSpPr>
+          <p:cNvPr id="6" name="Θέση υποσέλιδου 5"/>
+          <p:cNvSpPr>
+            <a:spLocks noGrp="1"/>
+          </p:cNvSpPr>
+          <p:nvPr>
+            <p:ph type="ftr" sz="quarter" idx="4"/>
+          </p:nvPr>
+        </p:nvSpPr>
+        <p:spPr>
+          <a:xfrm>
+            <a:off x="0" y="8685213"/>
+            <a:ext cx="2971800" cy="457200"/>
+          </a:xfrm>
+          <a:prstGeom prst="rect">
+            <a:avLst/>
+          </a:prstGeom>
+        </p:spPr>
+        <p:txBody>
+          <a:bodyPr vert="horz" lIns="91440" tIns="45720" rIns="91440" bIns="45720" rtlCol="0" anchor="b"/>
+          <a:lstStyle>
+            <a:lvl1pPr algn="l">
+              <a:defRPr sz="1200"/>
+            </a:lvl1pPr>
+          </a:lstStyle>
+          <a:p>
+            <a:endParaRPr lang="en-US"/>
+          </a:p>
+        </p:txBody>
+      </p:sp>
+      <p:sp>
+        <p:nvSpPr>
+          <p:cNvPr id="7" name="Θέση αριθμού διαφάνειας 6"/>
+          <p:cNvSpPr>
+            <a:spLocks noGrp="1"/>
+          </p:cNvSpPr>
+          <p:nvPr>
+            <p:ph type="sldNum" sz="quarter" idx="5"/>
+          </p:nvPr>
+        </p:nvSpPr>
+        <p:spPr>
+          <a:xfrm>
+            <a:off x="3884613" y="8685213"/>
+            <a:ext cx="2971800" cy="457200"/>
+          </a:xfrm>
+          <a:prstGeom prst="rect">
+            <a:avLst/>
+          </a:prstGeom>
+        </p:spPr>
+        <p:txBody>
+          <a:bodyPr vert="horz" lIns="91440" tIns="45720" rIns="91440" bIns="45720" rtlCol="0" anchor="b"/>
+          <a:lstStyle>
+            <a:lvl1pPr algn="r">
+              <a:defRPr sz="1200"/>
+            </a:lvl1pPr>
+          </a:lstStyle>
+          <a:p>
+            <a:fld id="{01096D91-DD21-4F51-A6C8-59D6CE4B7D28}" type="slidenum">
+              <a:rPr lang="en-US" smtClean="0"/>
+              <a:t>‹#›</a:t>
+            </a:fld>
+            <a:endParaRPr lang="en-US"/>
+          </a:p>
+        </p:txBody>
+      </p:sp>
+    </p:spTree>
+    <p:extLst>
+      <p:ext uri="{BB962C8B-B14F-4D97-AF65-F5344CB8AC3E}">
+        <p14:creationId xmlns:p14="http://schemas.microsoft.com/office/powerpoint/2010/main" val="521256761"/>
+      </p:ext>
+    </p:extLst>
+  </p:cSld>
+  <p:clrMap bg1="lt1" tx1="dk1" bg2="lt2" tx2="dk2" accent1="accent1" accent2="accent2" accent3="accent3" accent4="accent4" accent5="accent5" accent6="accent6" hlink="hlink" folHlink="folHlink"/>
+  <p:notesStyle>
+    <a:lvl1pPr marL="0" algn="l" defTabSz="914400" rtl="0" eaLnBrk="1" latinLnBrk="0" hangingPunct="1">
+      <a:defRPr sz="1200" kern="1200">
+        <a:solidFill>
+          <a:schemeClr val="tx1"/>
+        </a:solidFill>
+        <a:latin typeface="+mn-lt"/>
+        <a:ea typeface="+mn-ea"/>
+        <a:cs typeface="+mn-cs"/>
+      </a:defRPr>
+    </a:lvl1pPr>
+    <a:lvl2pPr marL="457200" algn="l" defTabSz="914400" rtl="0" eaLnBrk="1" latinLnBrk="0" hangingPunct="1">
+      <a:defRPr sz="1200" kern="1200">
+        <a:solidFill>
+          <a:schemeClr val="tx1"/>
+        </a:solidFill>
+        <a:latin typeface="+mn-lt"/>
+        <a:ea typeface="+mn-ea"/>
+        <a:cs typeface="+mn-cs"/>
+      </a:defRPr>
+    </a:lvl2pPr>
+    <a:lvl3pPr marL="914400" algn="l" defTabSz="914400" rtl="0" eaLnBrk="1" latinLnBrk="0" hangingPunct="1">
+      <a:defRPr sz="1200" kern="1200">
+        <a:solidFill>
+          <a:schemeClr val="tx1"/>
+        </a:solidFill>
+        <a:latin typeface="+mn-lt"/>
+        <a:ea typeface="+mn-ea"/>
+        <a:cs typeface="+mn-cs"/>
+      </a:defRPr>
+    </a:lvl3pPr>
+    <a:lvl4pPr marL="1371600" algn="l" defTabSz="914400" rtl="0" eaLnBrk="1" latinLnBrk="0" hangingPunct="1">
+      <a:defRPr sz="1200" kern="1200">
+        <a:solidFill>
+          <a:schemeClr val="tx1"/>
+        </a:solidFill>
+        <a:latin typeface="+mn-lt"/>
+        <a:ea typeface="+mn-ea"/>
+        <a:cs typeface="+mn-cs"/>
+      </a:defRPr>
+    </a:lvl4pPr>
+    <a:lvl5pPr marL="1828800" algn="l" defTabSz="914400" rtl="0" eaLnBrk="1" latinLnBrk="0" hangingPunct="1">
+      <a:defRPr sz="1200" kern="1200">
+        <a:solidFill>
+          <a:schemeClr val="tx1"/>
+        </a:solidFill>
+        <a:latin typeface="+mn-lt"/>
+        <a:ea typeface="+mn-ea"/>
+        <a:cs typeface="+mn-cs"/>
+      </a:defRPr>
+    </a:lvl5pPr>
+    <a:lvl6pPr marL="2286000" algn="l" defTabSz="914400" rtl="0" eaLnBrk="1" latinLnBrk="0" hangingPunct="1">
+      <a:defRPr sz="1200" kern="1200">
+        <a:solidFill>
+          <a:schemeClr val="tx1"/>
+        </a:solidFill>
+        <a:latin typeface="+mn-lt"/>
+        <a:ea typeface="+mn-ea"/>
+        <a:cs typeface="+mn-cs"/>
+      </a:defRPr>
+    </a:lvl6pPr>
+    <a:lvl7pPr marL="2743200" algn="l" defTabSz="914400" rtl="0" eaLnBrk="1" latinLnBrk="0" hangingPunct="1">
+      <a:defRPr sz="1200" kern="1200">
+        <a:solidFill>
+          <a:schemeClr val="tx1"/>
+        </a:solidFill>
+        <a:latin typeface="+mn-lt"/>
+        <a:ea typeface="+mn-ea"/>
+        <a:cs typeface="+mn-cs"/>
+      </a:defRPr>
+    </a:lvl7pPr>
+    <a:lvl8pPr marL="3200400" algn="l" defTabSz="914400" rtl="0" eaLnBrk="1" latinLnBrk="0" hangingPunct="1">
+      <a:defRPr sz="1200" kern="1200">
+        <a:solidFill>
+          <a:schemeClr val="tx1"/>
+        </a:solidFill>
+        <a:latin typeface="+mn-lt"/>
+        <a:ea typeface="+mn-ea"/>
+        <a:cs typeface="+mn-cs"/>
+      </a:defRPr>
+    </a:lvl8pPr>
+    <a:lvl9pPr marL="3657600" algn="l" defTabSz="914400" rtl="0" eaLnBrk="1" latinLnBrk="0" hangingPunct="1">
+      <a:defRPr sz="1200" kern="1200">
+        <a:solidFill>
+          <a:schemeClr val="tx1"/>
+        </a:solidFill>
+        <a:latin typeface="+mn-lt"/>
+        <a:ea typeface="+mn-ea"/>
+        <a:cs typeface="+mn-cs"/>
+      </a:defRPr>
+    </a:lvl9pPr>
+  </p:notesStyle>
+</p:notesMaster>
+</file>
+
 <file path=ppt/slideLayouts/slideLayout1.xml><?xml version="1.0" encoding="utf-8"?>
 <p:sldLayout xmlns:a="http://schemas.openxmlformats.org/drawingml/2006/main" xmlns:r="http://schemas.openxmlformats.org/officeDocument/2006/relationships" xmlns:p="http://schemas.openxmlformats.org/presentationml/2006/main" type="title" preserve="1">
   <p:cSld name="Διαφάνεια τίτλου">
@@ -142,6 +501,9 @@
             <a:off x="685800" y="2130425"/>
             <a:ext cx="7772400" cy="1470025"/>
           </a:xfrm>
+          <a:prstGeom prst="rect">
+            <a:avLst/>
+          </a:prstGeom>
         </p:spPr>
         <p:txBody>
           <a:bodyPr/>
@@ -291,7 +653,7 @@
           <a:p>
             <a:fld id="{F2853615-BFDE-46DE-814C-47EC6EF6D371}" type="datetimeFigureOut">
               <a:rPr lang="el-GR" smtClean="0"/>
-              <a:t>4/5/2015</a:t>
+              <a:t>5/5/2015</a:t>
             </a:fld>
             <a:endParaRPr lang="el-GR"/>
           </a:p>
@@ -386,7 +748,15 @@
             <p:ph type="title"/>
           </p:nvPr>
         </p:nvSpPr>
-        <p:spPr/>
+        <p:spPr>
+          <a:xfrm>
+            <a:off x="0" y="1354"/>
+            <a:ext cx="9144000" cy="908720"/>
+          </a:xfrm>
+          <a:prstGeom prst="rect">
+            <a:avLst/>
+          </a:prstGeom>
+        </p:spPr>
         <p:txBody>
           <a:bodyPr/>
           <a:lstStyle/>
@@ -468,7 +838,7 @@
           <a:p>
             <a:fld id="{F2853615-BFDE-46DE-814C-47EC6EF6D371}" type="datetimeFigureOut">
               <a:rPr lang="el-GR" smtClean="0"/>
-              <a:t>4/5/2015</a:t>
+              <a:t>5/5/2015</a:t>
             </a:fld>
             <a:endParaRPr lang="el-GR"/>
           </a:p>
@@ -568,6 +938,9 @@
             <a:off x="6629400" y="274638"/>
             <a:ext cx="2057400" cy="5851525"/>
           </a:xfrm>
+          <a:prstGeom prst="rect">
+            <a:avLst/>
+          </a:prstGeom>
         </p:spPr>
         <p:txBody>
           <a:bodyPr vert="eaVert"/>
@@ -655,7 +1028,7 @@
           <a:p>
             <a:fld id="{F2853615-BFDE-46DE-814C-47EC6EF6D371}" type="datetimeFigureOut">
               <a:rPr lang="el-GR" smtClean="0"/>
-              <a:t>4/5/2015</a:t>
+              <a:t>5/5/2015</a:t>
             </a:fld>
             <a:endParaRPr lang="el-GR"/>
           </a:p>
@@ -755,6 +1128,9 @@
             <a:off x="0" y="0"/>
             <a:ext cx="9144000" cy="908720"/>
           </a:xfrm>
+          <a:prstGeom prst="rect">
+            <a:avLst/>
+          </a:prstGeom>
           <a:solidFill>
             <a:schemeClr val="accent3">
               <a:lumMod val="75000"/>
@@ -855,7 +1231,7 @@
           <a:p>
             <a:fld id="{F2853615-BFDE-46DE-814C-47EC6EF6D371}" type="datetimeFigureOut">
               <a:rPr lang="el-GR" smtClean="0"/>
-              <a:t>4/5/2015</a:t>
+              <a:t>5/5/2015</a:t>
             </a:fld>
             <a:endParaRPr lang="el-GR"/>
           </a:p>
@@ -955,6 +1331,9 @@
             <a:off x="722313" y="4406900"/>
             <a:ext cx="7772400" cy="1362075"/>
           </a:xfrm>
+          <a:prstGeom prst="rect">
+            <a:avLst/>
+          </a:prstGeom>
         </p:spPr>
         <p:txBody>
           <a:bodyPr anchor="t"/>
@@ -1108,7 +1487,7 @@
           <a:p>
             <a:fld id="{F2853615-BFDE-46DE-814C-47EC6EF6D371}" type="datetimeFigureOut">
               <a:rPr lang="el-GR" smtClean="0"/>
-              <a:t>4/5/2015</a:t>
+              <a:t>5/5/2015</a:t>
             </a:fld>
             <a:endParaRPr lang="el-GR"/>
           </a:p>
@@ -1380,7 +1759,7 @@
           <a:p>
             <a:fld id="{F2853615-BFDE-46DE-814C-47EC6EF6D371}" type="datetimeFigureOut">
               <a:rPr lang="el-GR" smtClean="0"/>
-              <a:t>4/5/2015</a:t>
+              <a:t>5/5/2015</a:t>
             </a:fld>
             <a:endParaRPr lang="el-GR"/>
           </a:p>
@@ -1430,15 +1809,17 @@
       </p:sp>
       <p:sp>
         <p:nvSpPr>
-          <p:cNvPr id="8" name="Τίτλος 1"/>
-          <p:cNvSpPr txBox="1">
-            <a:spLocks/>
-          </p:cNvSpPr>
-          <p:nvPr userDrawn="1"/>
+          <p:cNvPr id="9" name="Τίτλος 1"/>
+          <p:cNvSpPr>
+            <a:spLocks noGrp="1"/>
+          </p:cNvSpPr>
+          <p:nvPr>
+            <p:ph type="title"/>
+          </p:nvPr>
         </p:nvSpPr>
         <p:spPr>
           <a:xfrm>
-            <a:off x="0" y="0"/>
+            <a:off x="0" y="-15672"/>
             <a:ext cx="9144000" cy="908720"/>
           </a:xfrm>
           <a:prstGeom prst="rect">
@@ -1451,31 +1832,22 @@
           </a:solidFill>
         </p:spPr>
         <p:txBody>
-          <a:bodyPr vert="horz" lIns="91440" tIns="45720" rIns="91440" bIns="45720" rtlCol="0" anchor="ctr">
-            <a:normAutofit/>
-          </a:bodyPr>
+          <a:bodyPr/>
           <a:lstStyle>
-            <a:lvl1pPr algn="ctr" defTabSz="914400" rtl="0" eaLnBrk="1" latinLnBrk="0" hangingPunct="1">
-              <a:spcBef>
-                <a:spcPct val="0"/>
-              </a:spcBef>
-              <a:buNone/>
-              <a:defRPr sz="4400" kern="1200">
+            <a:lvl1pPr>
+              <a:defRPr>
                 <a:solidFill>
                   <a:schemeClr val="bg1"/>
                 </a:solidFill>
-                <a:latin typeface="+mj-lt"/>
-                <a:ea typeface="+mj-ea"/>
-                <a:cs typeface="+mj-cs"/>
               </a:defRPr>
             </a:lvl1pPr>
           </a:lstStyle>
           <a:p>
             <a:r>
-              <a:rPr lang="el-GR" smtClean="0"/>
+              <a:rPr lang="el-GR" dirty="0" smtClean="0"/>
               <a:t>Στυλ κύριου τίτλου</a:t>
             </a:r>
-            <a:endParaRPr lang="en-US" dirty="0" smtClean="0"/>
+            <a:endParaRPr lang="en-US" dirty="0"/>
           </a:p>
         </p:txBody>
       </p:sp>
@@ -1849,7 +2221,7 @@
           <a:p>
             <a:fld id="{F2853615-BFDE-46DE-814C-47EC6EF6D371}" type="datetimeFigureOut">
               <a:rPr lang="el-GR" smtClean="0"/>
-              <a:t>4/5/2015</a:t>
+              <a:t>5/5/2015</a:t>
             </a:fld>
             <a:endParaRPr lang="el-GR"/>
           </a:p>
@@ -1912,6 +2284,9 @@
             <a:off x="0" y="-15672"/>
             <a:ext cx="9144000" cy="908720"/>
           </a:xfrm>
+          <a:prstGeom prst="rect">
+            <a:avLst/>
+          </a:prstGeom>
           <a:solidFill>
             <a:schemeClr val="accent3">
               <a:lumMod val="75000"/>
@@ -1985,16 +2360,24 @@
             <p:ph type="title"/>
           </p:nvPr>
         </p:nvSpPr>
-        <p:spPr/>
+        <p:spPr>
+          <a:xfrm>
+            <a:off x="0" y="1354"/>
+            <a:ext cx="9144000" cy="908720"/>
+          </a:xfrm>
+          <a:prstGeom prst="rect">
+            <a:avLst/>
+          </a:prstGeom>
+        </p:spPr>
         <p:txBody>
           <a:bodyPr/>
           <a:lstStyle/>
           <a:p>
             <a:r>
-              <a:rPr lang="el-GR" smtClean="0"/>
+              <a:rPr lang="el-GR" dirty="0" smtClean="0"/>
               <a:t>Στυλ κύριου τίτλου</a:t>
             </a:r>
-            <a:endParaRPr lang="en-US"/>
+            <a:endParaRPr lang="en-US" dirty="0"/>
           </a:p>
         </p:txBody>
       </p:sp>
@@ -2015,7 +2398,7 @@
           <a:p>
             <a:fld id="{F2853615-BFDE-46DE-814C-47EC6EF6D371}" type="datetimeFigureOut">
               <a:rPr lang="el-GR" smtClean="0"/>
-              <a:t>4/5/2015</a:t>
+              <a:t>5/5/2015</a:t>
             </a:fld>
             <a:endParaRPr lang="el-GR"/>
           </a:p>
@@ -2117,7 +2500,7 @@
           <a:p>
             <a:fld id="{F2853615-BFDE-46DE-814C-47EC6EF6D371}" type="datetimeFigureOut">
               <a:rPr lang="el-GR" smtClean="0"/>
-              <a:t>4/5/2015</a:t>
+              <a:t>5/5/2015</a:t>
             </a:fld>
             <a:endParaRPr lang="el-GR"/>
           </a:p>
@@ -2217,6 +2600,9 @@
             <a:off x="457200" y="273050"/>
             <a:ext cx="3008313" cy="1162050"/>
           </a:xfrm>
+          <a:prstGeom prst="rect">
+            <a:avLst/>
+          </a:prstGeom>
         </p:spPr>
         <p:txBody>
           <a:bodyPr anchor="b"/>
@@ -2401,7 +2787,7 @@
           <a:p>
             <a:fld id="{F2853615-BFDE-46DE-814C-47EC6EF6D371}" type="datetimeFigureOut">
               <a:rPr lang="el-GR" smtClean="0"/>
-              <a:t>4/5/2015</a:t>
+              <a:t>5/5/2015</a:t>
             </a:fld>
             <a:endParaRPr lang="el-GR"/>
           </a:p>
@@ -2501,6 +2887,9 @@
             <a:off x="1792288" y="4800600"/>
             <a:ext cx="5486400" cy="566738"/>
           </a:xfrm>
+          <a:prstGeom prst="rect">
+            <a:avLst/>
+          </a:prstGeom>
         </p:spPr>
         <p:txBody>
           <a:bodyPr anchor="b"/>
@@ -2661,7 +3050,7 @@
           <a:p>
             <a:fld id="{F2853615-BFDE-46DE-814C-47EC6EF6D371}" type="datetimeFigureOut">
               <a:rPr lang="el-GR" smtClean="0"/>
-              <a:t>4/5/2015</a:t>
+              <a:t>5/5/2015</a:t>
             </a:fld>
             <a:endParaRPr lang="el-GR"/>
           </a:p>
@@ -2753,7 +3142,188 @@
       </p:grpSpPr>
       <p:sp>
         <p:nvSpPr>
-          <p:cNvPr id="2" name="Θέση τίτλου 1"/>
+          <p:cNvPr id="3" name="Θέση κειμένου 2"/>
+          <p:cNvSpPr>
+            <a:spLocks noGrp="1"/>
+          </p:cNvSpPr>
+          <p:nvPr>
+            <p:ph type="body" idx="1"/>
+          </p:nvPr>
+        </p:nvSpPr>
+        <p:spPr>
+          <a:xfrm>
+            <a:off x="457200" y="1600200"/>
+            <a:ext cx="8229600" cy="4525963"/>
+          </a:xfrm>
+          <a:prstGeom prst="rect">
+            <a:avLst/>
+          </a:prstGeom>
+        </p:spPr>
+        <p:txBody>
+          <a:bodyPr vert="horz" lIns="91440" tIns="45720" rIns="91440" bIns="45720" rtlCol="0">
+            <a:normAutofit/>
+          </a:bodyPr>
+          <a:lstStyle/>
+          <a:p>
+            <a:pPr lvl="0"/>
+            <a:r>
+              <a:rPr lang="el-GR" dirty="0" smtClean="0"/>
+              <a:t>Στυλ υποδείγματος κειμένου</a:t>
+            </a:r>
+          </a:p>
+          <a:p>
+            <a:pPr lvl="1"/>
+            <a:r>
+              <a:rPr lang="el-GR" dirty="0" smtClean="0"/>
+              <a:t>Δεύτερου επιπέδου</a:t>
+            </a:r>
+          </a:p>
+          <a:p>
+            <a:pPr lvl="2"/>
+            <a:r>
+              <a:rPr lang="el-GR" dirty="0" smtClean="0"/>
+              <a:t>Τρίτου επιπέδου</a:t>
+            </a:r>
+          </a:p>
+          <a:p>
+            <a:pPr lvl="3"/>
+            <a:r>
+              <a:rPr lang="el-GR" dirty="0" smtClean="0"/>
+              <a:t>Τέταρτου επιπέδου</a:t>
+            </a:r>
+          </a:p>
+          <a:p>
+            <a:pPr lvl="4"/>
+            <a:r>
+              <a:rPr lang="el-GR" dirty="0" smtClean="0"/>
+              <a:t>Πέμπτου επιπέδου</a:t>
+            </a:r>
+            <a:endParaRPr lang="en-US" dirty="0"/>
+          </a:p>
+        </p:txBody>
+      </p:sp>
+      <p:sp>
+        <p:nvSpPr>
+          <p:cNvPr id="4" name="Θέση ημερομηνίας 3"/>
+          <p:cNvSpPr>
+            <a:spLocks noGrp="1"/>
+          </p:cNvSpPr>
+          <p:nvPr>
+            <p:ph type="dt" sz="half" idx="2"/>
+          </p:nvPr>
+        </p:nvSpPr>
+        <p:spPr>
+          <a:xfrm>
+            <a:off x="457200" y="6356350"/>
+            <a:ext cx="2133600" cy="365125"/>
+          </a:xfrm>
+          <a:prstGeom prst="rect">
+            <a:avLst/>
+          </a:prstGeom>
+        </p:spPr>
+        <p:txBody>
+          <a:bodyPr vert="horz" lIns="91440" tIns="45720" rIns="91440" bIns="45720" rtlCol="0" anchor="ctr"/>
+          <a:lstStyle>
+            <a:lvl1pPr algn="l">
+              <a:defRPr sz="1200">
+                <a:solidFill>
+                  <a:schemeClr val="tx1">
+                    <a:tint val="75000"/>
+                  </a:schemeClr>
+                </a:solidFill>
+              </a:defRPr>
+            </a:lvl1pPr>
+          </a:lstStyle>
+          <a:p>
+            <a:fld id="{F2853615-BFDE-46DE-814C-47EC6EF6D371}" type="datetimeFigureOut">
+              <a:rPr lang="el-GR" smtClean="0"/>
+              <a:t>5/5/2015</a:t>
+            </a:fld>
+            <a:endParaRPr lang="el-GR"/>
+          </a:p>
+        </p:txBody>
+      </p:sp>
+      <p:sp>
+        <p:nvSpPr>
+          <p:cNvPr id="5" name="Θέση υποσέλιδου 4"/>
+          <p:cNvSpPr>
+            <a:spLocks noGrp="1"/>
+          </p:cNvSpPr>
+          <p:nvPr>
+            <p:ph type="ftr" sz="quarter" idx="3"/>
+          </p:nvPr>
+        </p:nvSpPr>
+        <p:spPr>
+          <a:xfrm>
+            <a:off x="3124200" y="6356350"/>
+            <a:ext cx="2895600" cy="365125"/>
+          </a:xfrm>
+          <a:prstGeom prst="rect">
+            <a:avLst/>
+          </a:prstGeom>
+        </p:spPr>
+        <p:txBody>
+          <a:bodyPr vert="horz" lIns="91440" tIns="45720" rIns="91440" bIns="45720" rtlCol="0" anchor="ctr"/>
+          <a:lstStyle>
+            <a:lvl1pPr algn="ctr">
+              <a:defRPr sz="1200">
+                <a:solidFill>
+                  <a:schemeClr val="tx1">
+                    <a:tint val="75000"/>
+                  </a:schemeClr>
+                </a:solidFill>
+              </a:defRPr>
+            </a:lvl1pPr>
+          </a:lstStyle>
+          <a:p>
+            <a:endParaRPr lang="el-GR"/>
+          </a:p>
+        </p:txBody>
+      </p:sp>
+      <p:sp>
+        <p:nvSpPr>
+          <p:cNvPr id="6" name="Θέση αριθμού διαφάνειας 5"/>
+          <p:cNvSpPr>
+            <a:spLocks noGrp="1"/>
+          </p:cNvSpPr>
+          <p:nvPr>
+            <p:ph type="sldNum" sz="quarter" idx="4"/>
+          </p:nvPr>
+        </p:nvSpPr>
+        <p:spPr>
+          <a:xfrm>
+            <a:off x="6553200" y="6356350"/>
+            <a:ext cx="2133600" cy="365125"/>
+          </a:xfrm>
+          <a:prstGeom prst="rect">
+            <a:avLst/>
+          </a:prstGeom>
+        </p:spPr>
+        <p:txBody>
+          <a:bodyPr vert="horz" lIns="91440" tIns="45720" rIns="91440" bIns="45720" rtlCol="0" anchor="ctr"/>
+          <a:lstStyle>
+            <a:lvl1pPr algn="r">
+              <a:defRPr sz="1200">
+                <a:solidFill>
+                  <a:schemeClr val="tx1">
+                    <a:tint val="75000"/>
+                  </a:schemeClr>
+                </a:solidFill>
+              </a:defRPr>
+            </a:lvl1pPr>
+          </a:lstStyle>
+          <a:p>
+            <a:fld id="{3DF53439-851E-44AD-84B1-B6BFC3D0C743}" type="slidenum">
+              <a:rPr lang="el-GR" smtClean="0"/>
+              <a:t>‹#›</a:t>
+            </a:fld>
+            <a:endParaRPr lang="el-GR" dirty="0"/>
+          </a:p>
+        </p:txBody>
+      </p:sp>
+      <p:sp>
+        <p:nvSpPr>
+          <p:cNvPr id="7" name="Θέση τίτλου 1"/>
           <p:cNvSpPr>
             <a:spLocks noGrp="1"/>
           </p:cNvSpPr>
@@ -2786,187 +3356,6 @@
               <a:t>Στυλ κύριου τίτλου</a:t>
             </a:r>
             <a:endParaRPr lang="en-US" dirty="0"/>
-          </a:p>
-        </p:txBody>
-      </p:sp>
-      <p:sp>
-        <p:nvSpPr>
-          <p:cNvPr id="3" name="Θέση κειμένου 2"/>
-          <p:cNvSpPr>
-            <a:spLocks noGrp="1"/>
-          </p:cNvSpPr>
-          <p:nvPr>
-            <p:ph type="body" idx="1"/>
-          </p:nvPr>
-        </p:nvSpPr>
-        <p:spPr>
-          <a:xfrm>
-            <a:off x="457200" y="1600200"/>
-            <a:ext cx="8229600" cy="4525963"/>
-          </a:xfrm>
-          <a:prstGeom prst="rect">
-            <a:avLst/>
-          </a:prstGeom>
-        </p:spPr>
-        <p:txBody>
-          <a:bodyPr vert="horz" lIns="91440" tIns="45720" rIns="91440" bIns="45720" rtlCol="0">
-            <a:normAutofit/>
-          </a:bodyPr>
-          <a:lstStyle/>
-          <a:p>
-            <a:pPr lvl="0"/>
-            <a:r>
-              <a:rPr lang="el-GR" dirty="0" smtClean="0"/>
-              <a:t>Στυλ υποδείγματος κειμένου</a:t>
-            </a:r>
-          </a:p>
-          <a:p>
-            <a:pPr lvl="1"/>
-            <a:r>
-              <a:rPr lang="el-GR" dirty="0" smtClean="0"/>
-              <a:t>Δεύτερου επιπέδου</a:t>
-            </a:r>
-          </a:p>
-          <a:p>
-            <a:pPr lvl="2"/>
-            <a:r>
-              <a:rPr lang="el-GR" dirty="0" smtClean="0"/>
-              <a:t>Τρίτου επιπέδου</a:t>
-            </a:r>
-          </a:p>
-          <a:p>
-            <a:pPr lvl="3"/>
-            <a:r>
-              <a:rPr lang="el-GR" dirty="0" smtClean="0"/>
-              <a:t>Τέταρτου επιπέδου</a:t>
-            </a:r>
-          </a:p>
-          <a:p>
-            <a:pPr lvl="4"/>
-            <a:r>
-              <a:rPr lang="el-GR" dirty="0" smtClean="0"/>
-              <a:t>Πέμπτου επιπέδου</a:t>
-            </a:r>
-            <a:endParaRPr lang="en-US" dirty="0"/>
-          </a:p>
-        </p:txBody>
-      </p:sp>
-      <p:sp>
-        <p:nvSpPr>
-          <p:cNvPr id="4" name="Θέση ημερομηνίας 3"/>
-          <p:cNvSpPr>
-            <a:spLocks noGrp="1"/>
-          </p:cNvSpPr>
-          <p:nvPr>
-            <p:ph type="dt" sz="half" idx="2"/>
-          </p:nvPr>
-        </p:nvSpPr>
-        <p:spPr>
-          <a:xfrm>
-            <a:off x="457200" y="6356350"/>
-            <a:ext cx="2133600" cy="365125"/>
-          </a:xfrm>
-          <a:prstGeom prst="rect">
-            <a:avLst/>
-          </a:prstGeom>
-        </p:spPr>
-        <p:txBody>
-          <a:bodyPr vert="horz" lIns="91440" tIns="45720" rIns="91440" bIns="45720" rtlCol="0" anchor="ctr"/>
-          <a:lstStyle>
-            <a:lvl1pPr algn="l">
-              <a:defRPr sz="1200">
-                <a:solidFill>
-                  <a:schemeClr val="tx1">
-                    <a:tint val="75000"/>
-                  </a:schemeClr>
-                </a:solidFill>
-              </a:defRPr>
-            </a:lvl1pPr>
-          </a:lstStyle>
-          <a:p>
-            <a:fld id="{F2853615-BFDE-46DE-814C-47EC6EF6D371}" type="datetimeFigureOut">
-              <a:rPr lang="el-GR" smtClean="0"/>
-              <a:t>4/5/2015</a:t>
-            </a:fld>
-            <a:endParaRPr lang="el-GR"/>
-          </a:p>
-        </p:txBody>
-      </p:sp>
-      <p:sp>
-        <p:nvSpPr>
-          <p:cNvPr id="5" name="Θέση υποσέλιδου 4"/>
-          <p:cNvSpPr>
-            <a:spLocks noGrp="1"/>
-          </p:cNvSpPr>
-          <p:nvPr>
-            <p:ph type="ftr" sz="quarter" idx="3"/>
-          </p:nvPr>
-        </p:nvSpPr>
-        <p:spPr>
-          <a:xfrm>
-            <a:off x="3124200" y="6356350"/>
-            <a:ext cx="2895600" cy="365125"/>
-          </a:xfrm>
-          <a:prstGeom prst="rect">
-            <a:avLst/>
-          </a:prstGeom>
-        </p:spPr>
-        <p:txBody>
-          <a:bodyPr vert="horz" lIns="91440" tIns="45720" rIns="91440" bIns="45720" rtlCol="0" anchor="ctr"/>
-          <a:lstStyle>
-            <a:lvl1pPr algn="ctr">
-              <a:defRPr sz="1200">
-                <a:solidFill>
-                  <a:schemeClr val="tx1">
-                    <a:tint val="75000"/>
-                  </a:schemeClr>
-                </a:solidFill>
-              </a:defRPr>
-            </a:lvl1pPr>
-          </a:lstStyle>
-          <a:p>
-            <a:endParaRPr lang="el-GR"/>
-          </a:p>
-        </p:txBody>
-      </p:sp>
-      <p:sp>
-        <p:nvSpPr>
-          <p:cNvPr id="6" name="Θέση αριθμού διαφάνειας 5"/>
-          <p:cNvSpPr>
-            <a:spLocks noGrp="1"/>
-          </p:cNvSpPr>
-          <p:nvPr>
-            <p:ph type="sldNum" sz="quarter" idx="4"/>
-          </p:nvPr>
-        </p:nvSpPr>
-        <p:spPr>
-          <a:xfrm>
-            <a:off x="6553200" y="6356350"/>
-            <a:ext cx="2133600" cy="365125"/>
-          </a:xfrm>
-          <a:prstGeom prst="rect">
-            <a:avLst/>
-          </a:prstGeom>
-        </p:spPr>
-        <p:txBody>
-          <a:bodyPr vert="horz" lIns="91440" tIns="45720" rIns="91440" bIns="45720" rtlCol="0" anchor="ctr"/>
-          <a:lstStyle>
-            <a:lvl1pPr algn="r">
-              <a:defRPr sz="1200">
-                <a:solidFill>
-                  <a:schemeClr val="tx1">
-                    <a:tint val="75000"/>
-                  </a:schemeClr>
-                </a:solidFill>
-              </a:defRPr>
-            </a:lvl1pPr>
-          </a:lstStyle>
-          <a:p>
-            <a:fld id="{3DF53439-851E-44AD-84B1-B6BFC3D0C743}" type="slidenum">
-              <a:rPr lang="el-GR" smtClean="0"/>
-              <a:t>‹#›</a:t>
-            </a:fld>
-            <a:endParaRPr lang="el-GR" dirty="0"/>
           </a:p>
         </p:txBody>
       </p:sp>
@@ -3313,6 +3702,271 @@
     <p:extLst>
       <p:ext uri="{BB962C8B-B14F-4D97-AF65-F5344CB8AC3E}">
         <p14:creationId xmlns:p14="http://schemas.microsoft.com/office/powerpoint/2010/main" val="1521063569"/>
+      </p:ext>
+    </p:extLst>
+  </p:cSld>
+  <p:clrMapOvr>
+    <a:masterClrMapping/>
+  </p:clrMapOvr>
+  <p:timing>
+    <p:tnLst>
+      <p:par>
+        <p:cTn id="1" dur="indefinite" restart="never" nodeType="tmRoot"/>
+      </p:par>
+    </p:tnLst>
+  </p:timing>
+</p:sld>
+</file>
+
+<file path=ppt/slides/slide10.xml><?xml version="1.0" encoding="utf-8"?>
+<p:sld xmlns:a="http://schemas.openxmlformats.org/drawingml/2006/main" xmlns:r="http://schemas.openxmlformats.org/officeDocument/2006/relationships" xmlns:p="http://schemas.openxmlformats.org/presentationml/2006/main">
+  <p:cSld>
+    <p:spTree>
+      <p:nvGrpSpPr>
+        <p:cNvPr id="1" name=""/>
+        <p:cNvGrpSpPr/>
+        <p:nvPr/>
+      </p:nvGrpSpPr>
+      <p:grpSpPr>
+        <a:xfrm>
+          <a:off x="0" y="0"/>
+          <a:ext cx="0" cy="0"/>
+          <a:chOff x="0" y="0"/>
+          <a:chExt cx="0" cy="0"/>
+        </a:xfrm>
+      </p:grpSpPr>
+      <p:sp>
+        <p:nvSpPr>
+          <p:cNvPr id="6" name="Θέση κειμένου 5"/>
+          <p:cNvSpPr>
+            <a:spLocks noGrp="1"/>
+          </p:cNvSpPr>
+          <p:nvPr>
+            <p:ph type="body" idx="1"/>
+          </p:nvPr>
+        </p:nvSpPr>
+        <p:spPr/>
+        <p:txBody>
+          <a:bodyPr>
+            <a:noAutofit/>
+          </a:bodyPr>
+          <a:lstStyle/>
+          <a:p>
+            <a:r>
+              <a:rPr lang="en-US" dirty="0" smtClean="0"/>
+              <a:t>Definitions of a </a:t>
+            </a:r>
+            <a:r>
+              <a:rPr lang="en-US" dirty="0"/>
+              <a:t>Petri Net (PN)</a:t>
+            </a:r>
+            <a:endParaRPr lang="en-US" dirty="0"/>
+          </a:p>
+        </p:txBody>
+      </p:sp>
+      <p:sp>
+        <p:nvSpPr>
+          <p:cNvPr id="7" name="Θέση περιεχομένου 6"/>
+          <p:cNvSpPr>
+            <a:spLocks noGrp="1"/>
+          </p:cNvSpPr>
+          <p:nvPr>
+            <p:ph sz="half" idx="2"/>
+          </p:nvPr>
+        </p:nvSpPr>
+        <p:spPr>
+          <a:xfrm>
+            <a:off x="457200" y="1772817"/>
+            <a:ext cx="4040188" cy="2736304"/>
+          </a:xfrm>
+        </p:spPr>
+        <p:txBody>
+          <a:bodyPr/>
+          <a:lstStyle/>
+          <a:p>
+            <a:r>
+              <a:rPr lang="en-US" dirty="0" smtClean="0"/>
+              <a:t>Finite set of places, </a:t>
+            </a:r>
+            <a:r>
+              <a:rPr lang="en-US" b="1" dirty="0" smtClean="0"/>
+              <a:t>P</a:t>
+            </a:r>
+          </a:p>
+          <a:p>
+            <a:r>
+              <a:rPr lang="en-US" dirty="0" smtClean="0"/>
+              <a:t>Finite set of transitions, </a:t>
+            </a:r>
+            <a:r>
+              <a:rPr lang="en-US" b="1" dirty="0" smtClean="0"/>
+              <a:t>N</a:t>
+            </a:r>
+            <a:endParaRPr lang="en-US" b="1" dirty="0"/>
+          </a:p>
+          <a:p>
+            <a:r>
+              <a:rPr lang="en-US" dirty="0" smtClean="0"/>
+              <a:t>Markings</a:t>
+            </a:r>
+            <a:r>
+              <a:rPr lang="el-GR" dirty="0" smtClean="0"/>
+              <a:t> </a:t>
+            </a:r>
+            <a:r>
+              <a:rPr lang="el-GR" i="1" dirty="0"/>
+              <a:t>μ</a:t>
+            </a:r>
+            <a:r>
+              <a:rPr lang="en-US" dirty="0" smtClean="0"/>
+              <a:t> / Tokens</a:t>
+            </a:r>
+          </a:p>
+          <a:p>
+            <a:r>
+              <a:rPr lang="en-US" dirty="0" err="1" smtClean="0"/>
+              <a:t>Firable</a:t>
+            </a:r>
+            <a:r>
+              <a:rPr lang="en-US" dirty="0" smtClean="0"/>
+              <a:t> transitions at markings</a:t>
+            </a:r>
+            <a:r>
+              <a:rPr lang="el-GR" dirty="0" smtClean="0"/>
+              <a:t> </a:t>
+            </a:r>
+            <a:r>
+              <a:rPr lang="el-GR" i="1" dirty="0" smtClean="0"/>
+              <a:t>μ</a:t>
+            </a:r>
+          </a:p>
+          <a:p>
+            <a:r>
+              <a:rPr lang="en-US" dirty="0" smtClean="0"/>
+              <a:t>Occurrence sequence</a:t>
+            </a:r>
+            <a:endParaRPr lang="en-US" dirty="0"/>
+          </a:p>
+        </p:txBody>
+      </p:sp>
+      <p:sp>
+        <p:nvSpPr>
+          <p:cNvPr id="8" name="Θέση κειμένου 7"/>
+          <p:cNvSpPr>
+            <a:spLocks noGrp="1"/>
+          </p:cNvSpPr>
+          <p:nvPr>
+            <p:ph type="body" sz="quarter" idx="3"/>
+          </p:nvPr>
+        </p:nvSpPr>
+        <p:spPr/>
+        <p:txBody>
+          <a:bodyPr>
+            <a:noAutofit/>
+          </a:bodyPr>
+          <a:lstStyle/>
+          <a:p>
+            <a:r>
+              <a:rPr lang="en-US" dirty="0" smtClean="0"/>
+              <a:t>Constructs </a:t>
+            </a:r>
+            <a:r>
+              <a:rPr lang="en-US" dirty="0"/>
+              <a:t>of a Petri Net (PN</a:t>
+            </a:r>
+            <a:r>
+              <a:rPr lang="en-US" dirty="0" smtClean="0"/>
+              <a:t>)</a:t>
+            </a:r>
+            <a:endParaRPr lang="en-US" dirty="0"/>
+          </a:p>
+        </p:txBody>
+      </p:sp>
+      <p:sp>
+        <p:nvSpPr>
+          <p:cNvPr id="9" name="Θέση περιεχομένου 8"/>
+          <p:cNvSpPr>
+            <a:spLocks noGrp="1"/>
+          </p:cNvSpPr>
+          <p:nvPr>
+            <p:ph sz="quarter" idx="4"/>
+          </p:nvPr>
+        </p:nvSpPr>
+        <p:spPr>
+          <a:xfrm>
+            <a:off x="4645025" y="1772817"/>
+            <a:ext cx="4041775" cy="2880320"/>
+          </a:xfrm>
+        </p:spPr>
+        <p:txBody>
+          <a:bodyPr/>
+          <a:lstStyle/>
+          <a:p>
+            <a:r>
+              <a:rPr lang="en-US" dirty="0" smtClean="0"/>
+              <a:t>Sequence</a:t>
+            </a:r>
+          </a:p>
+          <a:p>
+            <a:r>
+              <a:rPr lang="en-US" dirty="0" smtClean="0"/>
+              <a:t>Split </a:t>
+            </a:r>
+          </a:p>
+          <a:p>
+            <a:r>
+              <a:rPr lang="en-US" dirty="0" smtClean="0"/>
+              <a:t>Split and Join</a:t>
+            </a:r>
+          </a:p>
+          <a:p>
+            <a:r>
+              <a:rPr lang="en-US" dirty="0" smtClean="0"/>
+              <a:t>Choice</a:t>
+            </a:r>
+          </a:p>
+          <a:p>
+            <a:r>
+              <a:rPr lang="en-US" dirty="0" smtClean="0"/>
+              <a:t>If-then-Else</a:t>
+            </a:r>
+          </a:p>
+          <a:p>
+            <a:r>
+              <a:rPr lang="en-US" dirty="0" smtClean="0"/>
+              <a:t>Repeat Condition</a:t>
+            </a:r>
+            <a:endParaRPr lang="en-US" dirty="0"/>
+          </a:p>
+        </p:txBody>
+      </p:sp>
+      <p:sp>
+        <p:nvSpPr>
+          <p:cNvPr id="5" name="Τίτλος 4"/>
+          <p:cNvSpPr>
+            <a:spLocks noGrp="1"/>
+          </p:cNvSpPr>
+          <p:nvPr>
+            <p:ph type="title"/>
+          </p:nvPr>
+        </p:nvSpPr>
+        <p:spPr/>
+        <p:txBody>
+          <a:bodyPr/>
+          <a:lstStyle/>
+          <a:p>
+            <a:r>
+              <a:rPr lang="en-US" dirty="0" smtClean="0"/>
+              <a:t>Petri 2/3</a:t>
+            </a:r>
+            <a:endParaRPr lang="en-US" dirty="0"/>
+          </a:p>
+        </p:txBody>
+      </p:sp>
+    </p:spTree>
+    <p:extLst>
+      <p:ext uri="{BB962C8B-B14F-4D97-AF65-F5344CB8AC3E}">
+        <p14:creationId xmlns:p14="http://schemas.microsoft.com/office/powerpoint/2010/main" val="103755149"/>
       </p:ext>
     </p:extLst>
   </p:cSld>
@@ -4114,7 +4768,107 @@
           <a:bodyPr/>
           <a:lstStyle/>
           <a:p>
-            <a:endParaRPr lang="en-US"/>
+            <a:r>
+              <a:rPr lang="en-US" dirty="0" smtClean="0"/>
+              <a:t>State of the art</a:t>
+            </a:r>
+          </a:p>
+          <a:p>
+            <a:pPr lvl="1"/>
+            <a:r>
+              <a:rPr lang="en-US" dirty="0" smtClean="0"/>
+              <a:t>Web </a:t>
+            </a:r>
+            <a:r>
+              <a:rPr lang="en-US" dirty="0"/>
+              <a:t>Ontology </a:t>
+            </a:r>
+            <a:r>
+              <a:rPr lang="en-US" dirty="0" smtClean="0"/>
+              <a:t>Language(OWL)</a:t>
+            </a:r>
+          </a:p>
+          <a:p>
+            <a:pPr marL="457200" lvl="1" indent="0">
+              <a:buNone/>
+            </a:pPr>
+            <a:r>
+              <a:rPr lang="en-US" dirty="0" smtClean="0"/>
+              <a:t>Allows </a:t>
+            </a:r>
+            <a:r>
+              <a:rPr lang="en-US" dirty="0"/>
+              <a:t>data and service providers to </a:t>
+            </a:r>
+            <a:r>
+              <a:rPr lang="en-US" dirty="0" smtClean="0"/>
+              <a:t>semantically </a:t>
+            </a:r>
+            <a:r>
+              <a:rPr lang="en-US" dirty="0"/>
+              <a:t>describe </a:t>
+            </a:r>
+            <a:r>
+              <a:rPr lang="en-US" dirty="0" smtClean="0"/>
+              <a:t>their resources </a:t>
+            </a:r>
+            <a:r>
+              <a:rPr lang="en-US" dirty="0"/>
+              <a:t>using third-party ontologies</a:t>
+            </a:r>
+            <a:endParaRPr lang="en-US" dirty="0"/>
+          </a:p>
+          <a:p>
+            <a:endParaRPr lang="en-US" dirty="0" smtClean="0"/>
+          </a:p>
+          <a:p>
+            <a:r>
+              <a:rPr lang="en-US" dirty="0" smtClean="0"/>
+              <a:t>Based on:</a:t>
+            </a:r>
+          </a:p>
+          <a:p>
+            <a:pPr lvl="1"/>
+            <a:r>
+              <a:rPr lang="en-US" dirty="0"/>
+              <a:t>DARPA Agent Markup Language (DAML</a:t>
+            </a:r>
+            <a:r>
+              <a:rPr lang="en-US" dirty="0" smtClean="0"/>
+              <a:t>)</a:t>
+            </a:r>
+          </a:p>
+          <a:p>
+            <a:pPr lvl="1"/>
+            <a:r>
+              <a:rPr lang="en-US" dirty="0"/>
+              <a:t>Ontology </a:t>
+            </a:r>
+            <a:r>
+              <a:rPr lang="en-US" dirty="0" smtClean="0"/>
+              <a:t>Inference Layer </a:t>
+            </a:r>
+            <a:r>
+              <a:rPr lang="en-US" dirty="0"/>
+              <a:t>(OIL</a:t>
+            </a:r>
+            <a:r>
+              <a:rPr lang="en-US" dirty="0" smtClean="0"/>
+              <a:t>)</a:t>
+            </a:r>
+          </a:p>
+          <a:p>
+            <a:pPr lvl="1"/>
+            <a:r>
+              <a:rPr lang="en-US" dirty="0" smtClean="0"/>
+              <a:t>Combination of DAML and OIL, DAML+OIL</a:t>
+            </a:r>
+          </a:p>
+          <a:p>
+            <a:endParaRPr lang="en-US" dirty="0"/>
+          </a:p>
+          <a:p>
+            <a:endParaRPr lang="en-US" dirty="0"/>
           </a:p>
         </p:txBody>
       </p:sp>
@@ -4132,6 +4886,1206 @@
     <p:tnLst>
       <p:par>
         <p:cTn id="1" dur="indefinite" restart="never" nodeType="tmRoot"/>
+      </p:par>
+    </p:tnLst>
+  </p:timing>
+</p:sld>
+</file>
+
+<file path=ppt/slides/slide5.xml><?xml version="1.0" encoding="utf-8"?>
+<p:sld xmlns:a="http://schemas.openxmlformats.org/drawingml/2006/main" xmlns:r="http://schemas.openxmlformats.org/officeDocument/2006/relationships" xmlns:p="http://schemas.openxmlformats.org/presentationml/2006/main">
+  <p:cSld>
+    <p:spTree>
+      <p:nvGrpSpPr>
+        <p:cNvPr id="1" name=""/>
+        <p:cNvGrpSpPr/>
+        <p:nvPr/>
+      </p:nvGrpSpPr>
+      <p:grpSpPr>
+        <a:xfrm>
+          <a:off x="0" y="0"/>
+          <a:ext cx="0" cy="0"/>
+          <a:chOff x="0" y="0"/>
+          <a:chExt cx="0" cy="0"/>
+        </a:xfrm>
+      </p:grpSpPr>
+      <p:sp>
+        <p:nvSpPr>
+          <p:cNvPr id="2" name="Τίτλος 1"/>
+          <p:cNvSpPr>
+            <a:spLocks noGrp="1"/>
+          </p:cNvSpPr>
+          <p:nvPr>
+            <p:ph type="title"/>
+          </p:nvPr>
+        </p:nvSpPr>
+        <p:spPr/>
+        <p:txBody>
+          <a:bodyPr/>
+          <a:lstStyle/>
+          <a:p>
+            <a:r>
+              <a:rPr lang="en-US" dirty="0" smtClean="0"/>
+              <a:t>DAML &amp; DAML-S</a:t>
+            </a:r>
+            <a:endParaRPr lang="en-US" dirty="0"/>
+          </a:p>
+        </p:txBody>
+      </p:sp>
+      <p:sp>
+        <p:nvSpPr>
+          <p:cNvPr id="3" name="Θέση περιεχομένου 2"/>
+          <p:cNvSpPr>
+            <a:spLocks noGrp="1"/>
+          </p:cNvSpPr>
+          <p:nvPr>
+            <p:ph idx="1"/>
+          </p:nvPr>
+        </p:nvSpPr>
+        <p:spPr/>
+        <p:txBody>
+          <a:bodyPr>
+            <a:normAutofit lnSpcReduction="10000"/>
+          </a:bodyPr>
+          <a:lstStyle/>
+          <a:p>
+            <a:r>
+              <a:rPr lang="en-US" dirty="0" smtClean="0"/>
+              <a:t>DAML (DARPA </a:t>
+            </a:r>
+            <a:r>
+              <a:rPr lang="en-US" dirty="0"/>
+              <a:t>Agent Markup </a:t>
+            </a:r>
+            <a:r>
+              <a:rPr lang="en-US" dirty="0" smtClean="0"/>
+              <a:t>Language)</a:t>
+            </a:r>
+          </a:p>
+          <a:p>
+            <a:pPr lvl="1"/>
+            <a:r>
+              <a:rPr lang="en-US" dirty="0"/>
+              <a:t>Started at 1999 as a </a:t>
+            </a:r>
+            <a:r>
+              <a:rPr lang="en-US" dirty="0" smtClean="0"/>
+              <a:t>US </a:t>
+            </a:r>
+            <a:r>
+              <a:rPr lang="en-US" dirty="0"/>
+              <a:t>Defense Advanced Research Projects </a:t>
+            </a:r>
+            <a:r>
+              <a:rPr lang="en-US" dirty="0" smtClean="0"/>
+              <a:t>Agency project</a:t>
+            </a:r>
+            <a:endParaRPr lang="en-US" dirty="0"/>
+          </a:p>
+          <a:p>
+            <a:r>
+              <a:rPr lang="en-US" dirty="0" smtClean="0"/>
+              <a:t>At 2002 DAML+OIL is submitted at W3C</a:t>
+            </a:r>
+          </a:p>
+          <a:p>
+            <a:pPr lvl="1"/>
+            <a:r>
+              <a:rPr lang="en-US" dirty="0"/>
+              <a:t>DAML+OIL was a syntax, layered on RDF and XML</a:t>
+            </a:r>
+          </a:p>
+          <a:p>
+            <a:endParaRPr lang="en-US" dirty="0" smtClean="0"/>
+          </a:p>
+          <a:p>
+            <a:r>
+              <a:rPr lang="en-US" dirty="0" smtClean="0"/>
+              <a:t>DAML-S</a:t>
+            </a:r>
+          </a:p>
+          <a:p>
+            <a:pPr marL="0" indent="0">
+              <a:buNone/>
+            </a:pPr>
+            <a:r>
+              <a:rPr lang="en-US" dirty="0" smtClean="0"/>
+              <a:t>	A markup language based on DAML+OIL 	that was created to specifically describe 	services.</a:t>
+            </a:r>
+            <a:endParaRPr lang="en-US" dirty="0"/>
+          </a:p>
+        </p:txBody>
+      </p:sp>
+    </p:spTree>
+    <p:extLst>
+      <p:ext uri="{BB962C8B-B14F-4D97-AF65-F5344CB8AC3E}">
+        <p14:creationId xmlns:p14="http://schemas.microsoft.com/office/powerpoint/2010/main" val="167970569"/>
+      </p:ext>
+    </p:extLst>
+  </p:cSld>
+  <p:clrMapOvr>
+    <a:masterClrMapping/>
+  </p:clrMapOvr>
+  <p:timing>
+    <p:tnLst>
+      <p:par>
+        <p:cTn id="1" dur="indefinite" restart="never" nodeType="tmRoot">
+          <p:childTnLst>
+            <p:seq concurrent="1" nextAc="seek">
+              <p:cTn id="2" dur="indefinite" nodeType="mainSeq">
+                <p:childTnLst>
+                  <p:par>
+                    <p:cTn id="3" fill="hold">
+                      <p:stCondLst>
+                        <p:cond delay="indefinite"/>
+                      </p:stCondLst>
+                      <p:childTnLst>
+                        <p:par>
+                          <p:cTn id="4" fill="hold">
+                            <p:stCondLst>
+                              <p:cond delay="0"/>
+                            </p:stCondLst>
+                            <p:childTnLst>
+                              <p:par>
+                                <p:cTn id="5" presetID="1" presetClass="entr" presetSubtype="0" fill="hold" nodeType="clickEffect">
+                                  <p:stCondLst>
+                                    <p:cond delay="0"/>
+                                  </p:stCondLst>
+                                  <p:childTnLst>
+                                    <p:set>
+                                      <p:cBhvr>
+                                        <p:cTn id="6" dur="1" fill="hold">
+                                          <p:stCondLst>
+                                            <p:cond delay="0"/>
+                                          </p:stCondLst>
+                                        </p:cTn>
+                                        <p:tgtEl>
+                                          <p:spTgt spid="3">
+                                            <p:txEl>
+                                              <p:pRg st="5" end="5"/>
+                                            </p:txEl>
+                                          </p:spTgt>
+                                        </p:tgtEl>
+                                        <p:attrNameLst>
+                                          <p:attrName>style.visibility</p:attrName>
+                                        </p:attrNameLst>
+                                      </p:cBhvr>
+                                      <p:to>
+                                        <p:strVal val="visible"/>
+                                      </p:to>
+                                    </p:set>
+                                  </p:childTnLst>
+                                </p:cTn>
+                              </p:par>
+                              <p:par>
+                                <p:cTn id="7" presetID="1" presetClass="entr" presetSubtype="0" fill="hold" nodeType="withEffect">
+                                  <p:stCondLst>
+                                    <p:cond delay="0"/>
+                                  </p:stCondLst>
+                                  <p:childTnLst>
+                                    <p:set>
+                                      <p:cBhvr>
+                                        <p:cTn id="8" dur="1" fill="hold">
+                                          <p:stCondLst>
+                                            <p:cond delay="0"/>
+                                          </p:stCondLst>
+                                        </p:cTn>
+                                        <p:tgtEl>
+                                          <p:spTgt spid="3">
+                                            <p:txEl>
+                                              <p:pRg st="6" end="6"/>
+                                            </p:txEl>
+                                          </p:spTgt>
+                                        </p:tgtEl>
+                                        <p:attrNameLst>
+                                          <p:attrName>style.visibility</p:attrName>
+                                        </p:attrNameLst>
+                                      </p:cBhvr>
+                                      <p:to>
+                                        <p:strVal val="visible"/>
+                                      </p:to>
+                                    </p:set>
+                                  </p:childTnLst>
+                                </p:cTn>
+                              </p:par>
+                            </p:childTnLst>
+                          </p:cTn>
+                        </p:par>
+                      </p:childTnLst>
+                    </p:cTn>
+                  </p:par>
+                </p:childTnLst>
+              </p:cTn>
+              <p:prevCondLst>
+                <p:cond evt="onPrev" delay="0">
+                  <p:tgtEl>
+                    <p:sldTgt/>
+                  </p:tgtEl>
+                </p:cond>
+              </p:prevCondLst>
+              <p:nextCondLst>
+                <p:cond evt="onNext" delay="0">
+                  <p:tgtEl>
+                    <p:sldTgt/>
+                  </p:tgtEl>
+                </p:cond>
+              </p:nextCondLst>
+            </p:seq>
+          </p:childTnLst>
+        </p:cTn>
+      </p:par>
+    </p:tnLst>
+  </p:timing>
+</p:sld>
+</file>
+
+<file path=ppt/slides/slide6.xml><?xml version="1.0" encoding="utf-8"?>
+<p:sld xmlns:a="http://schemas.openxmlformats.org/drawingml/2006/main" xmlns:r="http://schemas.openxmlformats.org/officeDocument/2006/relationships" xmlns:p="http://schemas.openxmlformats.org/presentationml/2006/main">
+  <p:cSld>
+    <p:spTree>
+      <p:nvGrpSpPr>
+        <p:cNvPr id="1" name=""/>
+        <p:cNvGrpSpPr/>
+        <p:nvPr/>
+      </p:nvGrpSpPr>
+      <p:grpSpPr>
+        <a:xfrm>
+          <a:off x="0" y="0"/>
+          <a:ext cx="0" cy="0"/>
+          <a:chOff x="0" y="0"/>
+          <a:chExt cx="0" cy="0"/>
+        </a:xfrm>
+      </p:grpSpPr>
+      <p:sp>
+        <p:nvSpPr>
+          <p:cNvPr id="2" name="Τίτλος 1"/>
+          <p:cNvSpPr>
+            <a:spLocks noGrp="1"/>
+          </p:cNvSpPr>
+          <p:nvPr>
+            <p:ph type="title"/>
+          </p:nvPr>
+        </p:nvSpPr>
+        <p:spPr/>
+        <p:txBody>
+          <a:bodyPr/>
+          <a:lstStyle/>
+          <a:p>
+            <a:r>
+              <a:rPr lang="en-US" dirty="0" smtClean="0"/>
+              <a:t>DAML-S 1/2</a:t>
+            </a:r>
+            <a:endParaRPr lang="en-US" dirty="0"/>
+          </a:p>
+        </p:txBody>
+      </p:sp>
+      <p:sp>
+        <p:nvSpPr>
+          <p:cNvPr id="3" name="Θέση περιεχομένου 2"/>
+          <p:cNvSpPr>
+            <a:spLocks noGrp="1"/>
+          </p:cNvSpPr>
+          <p:nvPr>
+            <p:ph idx="1"/>
+          </p:nvPr>
+        </p:nvSpPr>
+        <p:spPr/>
+        <p:txBody>
+          <a:bodyPr>
+            <a:normAutofit fontScale="77500" lnSpcReduction="20000"/>
+          </a:bodyPr>
+          <a:lstStyle/>
+          <a:p>
+            <a:r>
+              <a:rPr lang="en-US" dirty="0"/>
+              <a:t>DAML-S process </a:t>
+            </a:r>
+            <a:r>
+              <a:rPr lang="en-US" dirty="0" smtClean="0"/>
+              <a:t>model types:</a:t>
+            </a:r>
+          </a:p>
+          <a:p>
+            <a:pPr lvl="1"/>
+            <a:r>
+              <a:rPr lang="en-US" dirty="0" smtClean="0"/>
+              <a:t>Atomic (</a:t>
+            </a:r>
+            <a:r>
+              <a:rPr lang="en-US" sz="2600" dirty="0" smtClean="0"/>
+              <a:t>non-decomposable Web-accessible</a:t>
+            </a:r>
+            <a:r>
+              <a:rPr lang="en-US" dirty="0" smtClean="0"/>
+              <a:t>)</a:t>
+            </a:r>
+          </a:p>
+          <a:p>
+            <a:pPr lvl="1"/>
+            <a:r>
+              <a:rPr lang="en-US" dirty="0" smtClean="0"/>
+              <a:t>Composite (</a:t>
+            </a:r>
+            <a:r>
+              <a:rPr lang="en-US" sz="2600" dirty="0" smtClean="0"/>
+              <a:t>is </a:t>
+            </a:r>
+            <a:r>
+              <a:rPr lang="en-US" sz="2600" dirty="0"/>
+              <a:t>composed of other </a:t>
+            </a:r>
+            <a:r>
+              <a:rPr lang="en-US" sz="2600" dirty="0" smtClean="0"/>
+              <a:t>composite or atomic processes</a:t>
+            </a:r>
+            <a:r>
+              <a:rPr lang="en-US" dirty="0" smtClean="0"/>
+              <a:t>)</a:t>
+            </a:r>
+          </a:p>
+          <a:p>
+            <a:pPr lvl="1"/>
+            <a:r>
+              <a:rPr lang="en-US" dirty="0" smtClean="0"/>
+              <a:t>Simple (</a:t>
+            </a:r>
+            <a:r>
+              <a:rPr lang="en-US" sz="2600" dirty="0"/>
+              <a:t>a view or abstraction of a atomic or composite </a:t>
+            </a:r>
+            <a:r>
+              <a:rPr lang="en-US" sz="2600" dirty="0" smtClean="0"/>
+              <a:t>process</a:t>
+            </a:r>
+            <a:r>
+              <a:rPr lang="en-US" dirty="0" smtClean="0"/>
+              <a:t>)</a:t>
+            </a:r>
+          </a:p>
+          <a:p>
+            <a:pPr lvl="1"/>
+            <a:endParaRPr lang="en-US" dirty="0"/>
+          </a:p>
+          <a:p>
+            <a:r>
+              <a:rPr lang="en-US" dirty="0" smtClean="0"/>
+              <a:t>Example</a:t>
+            </a:r>
+          </a:p>
+          <a:p>
+            <a:pPr marL="457200" lvl="1" indent="0">
+              <a:buNone/>
+            </a:pPr>
+            <a:r>
+              <a:rPr lang="pt-BR" dirty="0"/>
+              <a:t>&lt;daml : </a:t>
+            </a:r>
+            <a:r>
+              <a:rPr lang="pt-BR" dirty="0" smtClean="0"/>
+              <a:t>Class rdf </a:t>
+            </a:r>
+            <a:r>
+              <a:rPr lang="pt-BR" dirty="0"/>
+              <a:t>: ID="</a:t>
+            </a:r>
+            <a:r>
+              <a:rPr lang="pt-BR" dirty="0" smtClean="0"/>
+              <a:t>Process</a:t>
+            </a:r>
+            <a:r>
+              <a:rPr lang="pt-BR" dirty="0"/>
+              <a:t>"&gt;</a:t>
+            </a:r>
+          </a:p>
+          <a:p>
+            <a:pPr marL="857250" lvl="2" indent="0">
+              <a:buNone/>
+            </a:pPr>
+            <a:r>
+              <a:rPr lang="pt-BR" sz="2800" dirty="0"/>
+              <a:t>&lt;daml : unionOf rdf : parseType="daml : </a:t>
+            </a:r>
+            <a:r>
+              <a:rPr lang="pt-BR" sz="2800" dirty="0" smtClean="0"/>
+              <a:t>collection"&gt;</a:t>
+            </a:r>
+            <a:endParaRPr lang="pt-BR" sz="2800" dirty="0"/>
+          </a:p>
+          <a:p>
+            <a:pPr marL="857250" lvl="2" indent="0">
+              <a:buNone/>
+            </a:pPr>
+            <a:r>
+              <a:rPr lang="pt-BR" sz="2800" dirty="0"/>
+              <a:t>&lt;daml : Class rdf </a:t>
+            </a:r>
+            <a:r>
+              <a:rPr lang="pt-BR" sz="2800" dirty="0" smtClean="0"/>
+              <a:t>: </a:t>
+            </a:r>
+            <a:r>
+              <a:rPr lang="pt-BR" sz="2800" dirty="0"/>
+              <a:t>about="#</a:t>
+            </a:r>
+            <a:r>
+              <a:rPr lang="pt-BR" sz="2800" dirty="0" smtClean="0"/>
+              <a:t>Atomic Process</a:t>
+            </a:r>
+            <a:r>
+              <a:rPr lang="pt-BR" sz="2800" dirty="0"/>
+              <a:t>"/&gt;</a:t>
+            </a:r>
+          </a:p>
+          <a:p>
+            <a:pPr marL="857250" lvl="2" indent="0">
+              <a:buNone/>
+            </a:pPr>
+            <a:r>
+              <a:rPr lang="pt-BR" sz="2800" dirty="0"/>
+              <a:t>&lt;daml : Class </a:t>
+            </a:r>
+            <a:r>
+              <a:rPr lang="pt-BR" sz="2800" dirty="0" smtClean="0"/>
+              <a:t>rdf : </a:t>
+            </a:r>
+            <a:r>
+              <a:rPr lang="pt-BR" sz="2800" dirty="0"/>
+              <a:t>about="#</a:t>
+            </a:r>
+            <a:r>
+              <a:rPr lang="pt-BR" sz="2800" dirty="0" smtClean="0"/>
+              <a:t>Simple Process</a:t>
+            </a:r>
+            <a:r>
+              <a:rPr lang="pt-BR" sz="2800" dirty="0"/>
+              <a:t>"/&gt;</a:t>
+            </a:r>
+          </a:p>
+          <a:p>
+            <a:pPr marL="857250" lvl="2" indent="0">
+              <a:buNone/>
+            </a:pPr>
+            <a:r>
+              <a:rPr lang="pt-BR" sz="2800" dirty="0"/>
+              <a:t>&lt;daml : Class rdf </a:t>
+            </a:r>
+            <a:r>
+              <a:rPr lang="pt-BR" sz="2800" dirty="0" smtClean="0"/>
+              <a:t>: </a:t>
+            </a:r>
+            <a:r>
+              <a:rPr lang="pt-BR" sz="2800" dirty="0"/>
+              <a:t>about="#</a:t>
+            </a:r>
+            <a:r>
+              <a:rPr lang="pt-BR" sz="2800" dirty="0" smtClean="0"/>
+              <a:t>Composite Process</a:t>
+            </a:r>
+            <a:r>
+              <a:rPr lang="pt-BR" sz="2800" dirty="0"/>
+              <a:t>"/&gt;</a:t>
+            </a:r>
+          </a:p>
+          <a:p>
+            <a:pPr marL="857250" lvl="2" indent="0">
+              <a:buNone/>
+            </a:pPr>
+            <a:r>
+              <a:rPr lang="pt-BR" sz="2800" dirty="0"/>
+              <a:t>&lt;/daml : unionOf&gt;</a:t>
+            </a:r>
+          </a:p>
+          <a:p>
+            <a:pPr marL="457200" lvl="1" indent="0">
+              <a:buNone/>
+            </a:pPr>
+            <a:r>
+              <a:rPr lang="pt-BR" dirty="0"/>
+              <a:t>&lt;/daml : </a:t>
+            </a:r>
+            <a:r>
+              <a:rPr lang="pt-BR" dirty="0" smtClean="0"/>
+              <a:t>Class</a:t>
+            </a:r>
+            <a:r>
+              <a:rPr lang="pt-BR" dirty="0"/>
+              <a:t>&gt;</a:t>
+            </a:r>
+            <a:endParaRPr lang="en-US" dirty="0"/>
+          </a:p>
+        </p:txBody>
+      </p:sp>
+    </p:spTree>
+    <p:extLst>
+      <p:ext uri="{BB962C8B-B14F-4D97-AF65-F5344CB8AC3E}">
+        <p14:creationId xmlns:p14="http://schemas.microsoft.com/office/powerpoint/2010/main" val="2652909553"/>
+      </p:ext>
+    </p:extLst>
+  </p:cSld>
+  <p:clrMapOvr>
+    <a:masterClrMapping/>
+  </p:clrMapOvr>
+  <p:timing>
+    <p:tnLst>
+      <p:par>
+        <p:cTn id="1" dur="indefinite" restart="never" nodeType="tmRoot"/>
+      </p:par>
+    </p:tnLst>
+  </p:timing>
+</p:sld>
+</file>
+
+<file path=ppt/slides/slide7.xml><?xml version="1.0" encoding="utf-8"?>
+<p:sld xmlns:a="http://schemas.openxmlformats.org/drawingml/2006/main" xmlns:r="http://schemas.openxmlformats.org/officeDocument/2006/relationships" xmlns:p="http://schemas.openxmlformats.org/presentationml/2006/main">
+  <p:cSld>
+    <p:spTree>
+      <p:nvGrpSpPr>
+        <p:cNvPr id="1" name=""/>
+        <p:cNvGrpSpPr/>
+        <p:nvPr/>
+      </p:nvGrpSpPr>
+      <p:grpSpPr>
+        <a:xfrm>
+          <a:off x="0" y="0"/>
+          <a:ext cx="0" cy="0"/>
+          <a:chOff x="0" y="0"/>
+          <a:chExt cx="0" cy="0"/>
+        </a:xfrm>
+      </p:grpSpPr>
+      <p:sp>
+        <p:nvSpPr>
+          <p:cNvPr id="2" name="Τίτλος 1"/>
+          <p:cNvSpPr>
+            <a:spLocks noGrp="1"/>
+          </p:cNvSpPr>
+          <p:nvPr>
+            <p:ph type="title"/>
+          </p:nvPr>
+        </p:nvSpPr>
+        <p:spPr/>
+        <p:txBody>
+          <a:bodyPr/>
+          <a:lstStyle/>
+          <a:p>
+            <a:r>
+              <a:rPr lang="en-US" dirty="0" smtClean="0"/>
+              <a:t>DAML-S (2/2)</a:t>
+            </a:r>
+            <a:endParaRPr lang="en-US" dirty="0"/>
+          </a:p>
+        </p:txBody>
+      </p:sp>
+      <p:sp>
+        <p:nvSpPr>
+          <p:cNvPr id="3" name="Θέση περιεχομένου 2"/>
+          <p:cNvSpPr>
+            <a:spLocks noGrp="1"/>
+          </p:cNvSpPr>
+          <p:nvPr>
+            <p:ph idx="1"/>
+          </p:nvPr>
+        </p:nvSpPr>
+        <p:spPr/>
+        <p:txBody>
+          <a:bodyPr>
+            <a:normAutofit/>
+          </a:bodyPr>
+          <a:lstStyle/>
+          <a:p>
+            <a:r>
+              <a:rPr lang="en-US" dirty="0"/>
+              <a:t>Inputs can be either mandatory or </a:t>
+            </a:r>
+            <a:r>
+              <a:rPr lang="en-US" dirty="0" smtClean="0"/>
+              <a:t>optional</a:t>
+            </a:r>
+          </a:p>
+          <a:p>
+            <a:r>
+              <a:rPr lang="en-US" dirty="0" smtClean="0"/>
+              <a:t>Output is </a:t>
+            </a:r>
+            <a:r>
+              <a:rPr lang="en-US" dirty="0"/>
+              <a:t>usually </a:t>
+            </a:r>
+            <a:r>
+              <a:rPr lang="en-US" dirty="0" smtClean="0"/>
+              <a:t>optional</a:t>
+            </a:r>
+          </a:p>
+          <a:p>
+            <a:endParaRPr lang="en-US" dirty="0"/>
+          </a:p>
+          <a:p>
+            <a:pPr marL="0" indent="0">
+              <a:buNone/>
+            </a:pPr>
+            <a:r>
+              <a:rPr lang="en-US" sz="2600" dirty="0" smtClean="0"/>
+              <a:t>&lt;</a:t>
+            </a:r>
+            <a:r>
+              <a:rPr lang="en-US" sz="2600" dirty="0" err="1"/>
+              <a:t>rdf:Propertyrdf:ID</a:t>
+            </a:r>
+            <a:r>
+              <a:rPr lang="en-US" sz="2600" dirty="0"/>
+              <a:t>="</a:t>
+            </a:r>
+            <a:r>
+              <a:rPr lang="en-US" sz="2600" dirty="0" err="1"/>
+              <a:t>bookName</a:t>
+            </a:r>
+            <a:r>
+              <a:rPr lang="en-US" sz="2600" dirty="0"/>
+              <a:t>"&gt;</a:t>
+            </a:r>
+          </a:p>
+          <a:p>
+            <a:pPr marL="0" indent="0">
+              <a:buNone/>
+            </a:pPr>
+            <a:r>
+              <a:rPr lang="en-US" sz="2600" dirty="0"/>
+              <a:t>    &lt;</a:t>
+            </a:r>
+            <a:r>
+              <a:rPr lang="en-US" sz="2600" dirty="0" err="1" smtClean="0"/>
+              <a:t>rdfs:subPropertyOf</a:t>
+            </a:r>
+            <a:r>
+              <a:rPr lang="en-US" sz="2600" dirty="0"/>
+              <a:t> </a:t>
+            </a:r>
+            <a:r>
+              <a:rPr lang="en-US" sz="2600" dirty="0" err="1" smtClean="0"/>
+              <a:t>rdf:resource</a:t>
+            </a:r>
+            <a:r>
+              <a:rPr lang="en-US" sz="2600" dirty="0"/>
+              <a:t>="&amp;process;#input"/&gt;</a:t>
+            </a:r>
+          </a:p>
+          <a:p>
+            <a:pPr marL="0" indent="0">
+              <a:buNone/>
+            </a:pPr>
+            <a:r>
+              <a:rPr lang="en-US" sz="2600" dirty="0"/>
+              <a:t>    &lt;</a:t>
+            </a:r>
+            <a:r>
+              <a:rPr lang="en-US" sz="2600" dirty="0" err="1"/>
+              <a:t>rdfs:domainrdf:resource</a:t>
+            </a:r>
+            <a:r>
+              <a:rPr lang="en-US" sz="2600" dirty="0"/>
+              <a:t>="#</a:t>
+            </a:r>
+            <a:r>
+              <a:rPr lang="en-US" sz="2600" dirty="0" err="1"/>
+              <a:t>LocateBook</a:t>
+            </a:r>
+            <a:r>
+              <a:rPr lang="en-US" sz="2600" dirty="0"/>
+              <a:t>"/&gt;</a:t>
+            </a:r>
+          </a:p>
+          <a:p>
+            <a:pPr marL="0" indent="0">
+              <a:buNone/>
+            </a:pPr>
+            <a:r>
+              <a:rPr lang="en-US" sz="2600" dirty="0"/>
+              <a:t>    &lt;</a:t>
+            </a:r>
+            <a:r>
+              <a:rPr lang="en-US" sz="2600" dirty="0" err="1"/>
+              <a:t>rdfs:rangerdf:resource</a:t>
+            </a:r>
+            <a:r>
+              <a:rPr lang="en-US" sz="2600" dirty="0"/>
+              <a:t>="&amp;</a:t>
+            </a:r>
+            <a:r>
+              <a:rPr lang="en-US" sz="2600" dirty="0" err="1"/>
+              <a:t>xsd</a:t>
+            </a:r>
+            <a:r>
+              <a:rPr lang="en-US" sz="2600" dirty="0"/>
+              <a:t>;#string"/&gt;2</a:t>
+            </a:r>
+          </a:p>
+          <a:p>
+            <a:pPr marL="0" indent="0">
+              <a:buNone/>
+            </a:pPr>
+            <a:r>
+              <a:rPr lang="en-US" sz="2600" dirty="0"/>
+              <a:t>&lt;/</a:t>
+            </a:r>
+            <a:r>
+              <a:rPr lang="en-US" sz="2600" dirty="0" err="1"/>
+              <a:t>rdf:Property</a:t>
+            </a:r>
+            <a:r>
+              <a:rPr lang="en-US" sz="2600" dirty="0" smtClean="0"/>
+              <a:t>&gt;</a:t>
+            </a:r>
+            <a:endParaRPr lang="en-US" sz="2600" dirty="0"/>
+          </a:p>
+        </p:txBody>
+      </p:sp>
+    </p:spTree>
+    <p:extLst>
+      <p:ext uri="{BB962C8B-B14F-4D97-AF65-F5344CB8AC3E}">
+        <p14:creationId xmlns:p14="http://schemas.microsoft.com/office/powerpoint/2010/main" val="4271071852"/>
+      </p:ext>
+    </p:extLst>
+  </p:cSld>
+  <p:clrMapOvr>
+    <a:masterClrMapping/>
+  </p:clrMapOvr>
+  <p:timing>
+    <p:tnLst>
+      <p:par>
+        <p:cTn id="1" dur="indefinite" restart="never" nodeType="tmRoot"/>
+      </p:par>
+    </p:tnLst>
+  </p:timing>
+</p:sld>
+</file>
+
+<file path=ppt/slides/slide8.xml><?xml version="1.0" encoding="utf-8"?>
+<p:sld xmlns:a="http://schemas.openxmlformats.org/drawingml/2006/main" xmlns:r="http://schemas.openxmlformats.org/officeDocument/2006/relationships" xmlns:p="http://schemas.openxmlformats.org/presentationml/2006/main">
+  <p:cSld>
+    <p:spTree>
+      <p:nvGrpSpPr>
+        <p:cNvPr id="1" name=""/>
+        <p:cNvGrpSpPr/>
+        <p:nvPr/>
+      </p:nvGrpSpPr>
+      <p:grpSpPr>
+        <a:xfrm>
+          <a:off x="0" y="0"/>
+          <a:ext cx="0" cy="0"/>
+          <a:chOff x="0" y="0"/>
+          <a:chExt cx="0" cy="0"/>
+        </a:xfrm>
+      </p:grpSpPr>
+      <p:sp>
+        <p:nvSpPr>
+          <p:cNvPr id="2" name="Τίτλος 1"/>
+          <p:cNvSpPr>
+            <a:spLocks noGrp="1"/>
+          </p:cNvSpPr>
+          <p:nvPr>
+            <p:ph type="title"/>
+          </p:nvPr>
+        </p:nvSpPr>
+        <p:spPr/>
+        <p:txBody>
+          <a:bodyPr/>
+          <a:lstStyle/>
+          <a:p>
+            <a:r>
+              <a:rPr lang="en-US" dirty="0"/>
+              <a:t>Situation Calculus</a:t>
+            </a:r>
+            <a:endParaRPr lang="en-US" dirty="0"/>
+          </a:p>
+        </p:txBody>
+      </p:sp>
+      <p:sp>
+        <p:nvSpPr>
+          <p:cNvPr id="3" name="Θέση περιεχομένου 2"/>
+          <p:cNvSpPr>
+            <a:spLocks noGrp="1"/>
+          </p:cNvSpPr>
+          <p:nvPr>
+            <p:ph idx="1"/>
+          </p:nvPr>
+        </p:nvSpPr>
+        <p:spPr/>
+        <p:txBody>
+          <a:bodyPr/>
+          <a:lstStyle/>
+          <a:p>
+            <a:r>
+              <a:rPr lang="en-US" dirty="0" smtClean="0"/>
+              <a:t>Used </a:t>
+            </a:r>
+            <a:r>
+              <a:rPr lang="en-US" dirty="0"/>
+              <a:t>for representing </a:t>
+            </a:r>
+            <a:r>
+              <a:rPr lang="en-US" dirty="0" smtClean="0"/>
+              <a:t>dynamically </a:t>
+            </a:r>
+            <a:r>
+              <a:rPr lang="en-US" dirty="0"/>
+              <a:t>changing </a:t>
+            </a:r>
+            <a:r>
+              <a:rPr lang="en-US" dirty="0" smtClean="0"/>
+              <a:t>worlds where changes are done by agents</a:t>
+            </a:r>
+          </a:p>
+          <a:p>
+            <a:endParaRPr lang="en-US" dirty="0"/>
+          </a:p>
+          <a:p>
+            <a:r>
+              <a:rPr lang="en-US" dirty="0"/>
+              <a:t>Situations are sequences of actions </a:t>
+            </a:r>
+            <a:r>
+              <a:rPr lang="en-US" dirty="0" smtClean="0"/>
+              <a:t>evolving </a:t>
+            </a:r>
+            <a:r>
+              <a:rPr lang="en-US" dirty="0"/>
+              <a:t>from a </a:t>
+            </a:r>
+            <a:r>
+              <a:rPr lang="en-US" dirty="0" smtClean="0"/>
+              <a:t>specific situation</a:t>
+            </a:r>
+          </a:p>
+          <a:p>
+            <a:endParaRPr lang="en-US" dirty="0"/>
+          </a:p>
+          <a:p>
+            <a:r>
+              <a:rPr lang="en-US" dirty="0" smtClean="0"/>
+              <a:t>For an action </a:t>
+            </a:r>
+            <a:r>
+              <a:rPr lang="en-US" dirty="0" smtClean="0">
+                <a:latin typeface="Lucida Fax" panose="02060602050505020204" pitchFamily="18" charset="0"/>
+              </a:rPr>
+              <a:t>a</a:t>
+            </a:r>
+            <a:r>
+              <a:rPr lang="en-US" dirty="0" smtClean="0"/>
+              <a:t> and a situation </a:t>
+            </a:r>
+            <a:r>
+              <a:rPr lang="en-US" dirty="0" smtClean="0">
+                <a:latin typeface="Lucida Fax" panose="02060602050505020204" pitchFamily="18" charset="0"/>
+              </a:rPr>
+              <a:t>s</a:t>
+            </a:r>
+            <a:r>
+              <a:rPr lang="en-US" dirty="0" smtClean="0"/>
+              <a:t> is given by </a:t>
+            </a:r>
+            <a:r>
+              <a:rPr lang="en-US" i="1" dirty="0" smtClean="0">
+                <a:latin typeface="Lucida Fax" panose="02060602050505020204" pitchFamily="18" charset="0"/>
+              </a:rPr>
+              <a:t>do(</a:t>
+            </a:r>
+            <a:r>
+              <a:rPr lang="en-US" i="1" dirty="0" err="1" smtClean="0">
+                <a:latin typeface="Lucida Fax" panose="02060602050505020204" pitchFamily="18" charset="0"/>
+              </a:rPr>
+              <a:t>a,s</a:t>
+            </a:r>
+            <a:r>
+              <a:rPr lang="en-US" i="1" dirty="0" smtClean="0">
+                <a:latin typeface="Lucida Fax" panose="02060602050505020204" pitchFamily="18" charset="0"/>
+              </a:rPr>
+              <a:t>)</a:t>
+            </a:r>
+            <a:endParaRPr lang="en-US" i="1" dirty="0">
+              <a:latin typeface="Lucida Fax" panose="02060602050505020204" pitchFamily="18" charset="0"/>
+            </a:endParaRPr>
+          </a:p>
+        </p:txBody>
+      </p:sp>
+    </p:spTree>
+    <p:extLst>
+      <p:ext uri="{BB962C8B-B14F-4D97-AF65-F5344CB8AC3E}">
+        <p14:creationId xmlns:p14="http://schemas.microsoft.com/office/powerpoint/2010/main" val="3285591953"/>
+      </p:ext>
+    </p:extLst>
+  </p:cSld>
+  <p:clrMapOvr>
+    <a:masterClrMapping/>
+  </p:clrMapOvr>
+  <p:timing>
+    <p:tnLst>
+      <p:par>
+        <p:cTn id="1" dur="indefinite" restart="never" nodeType="tmRoot"/>
+      </p:par>
+    </p:tnLst>
+  </p:timing>
+</p:sld>
+</file>
+
+<file path=ppt/slides/slide9.xml><?xml version="1.0" encoding="utf-8"?>
+<p:sld xmlns:a="http://schemas.openxmlformats.org/drawingml/2006/main" xmlns:r="http://schemas.openxmlformats.org/officeDocument/2006/relationships" xmlns:p="http://schemas.openxmlformats.org/presentationml/2006/main">
+  <p:cSld>
+    <p:spTree>
+      <p:nvGrpSpPr>
+        <p:cNvPr id="1" name=""/>
+        <p:cNvGrpSpPr/>
+        <p:nvPr/>
+      </p:nvGrpSpPr>
+      <p:grpSpPr>
+        <a:xfrm>
+          <a:off x="0" y="0"/>
+          <a:ext cx="0" cy="0"/>
+          <a:chOff x="0" y="0"/>
+          <a:chExt cx="0" cy="0"/>
+        </a:xfrm>
+      </p:grpSpPr>
+      <p:sp>
+        <p:nvSpPr>
+          <p:cNvPr id="2" name="Τίτλος 1"/>
+          <p:cNvSpPr>
+            <a:spLocks noGrp="1"/>
+          </p:cNvSpPr>
+          <p:nvPr>
+            <p:ph type="title"/>
+          </p:nvPr>
+        </p:nvSpPr>
+        <p:spPr/>
+        <p:txBody>
+          <a:bodyPr/>
+          <a:lstStyle/>
+          <a:p>
+            <a:r>
+              <a:rPr lang="en-US" dirty="0" smtClean="0"/>
+              <a:t>Petri Net 1/3</a:t>
+            </a:r>
+            <a:endParaRPr lang="en-US" dirty="0"/>
+          </a:p>
+        </p:txBody>
+      </p:sp>
+      <p:sp>
+        <p:nvSpPr>
+          <p:cNvPr id="3" name="Θέση περιεχομένου 2"/>
+          <p:cNvSpPr>
+            <a:spLocks noGrp="1"/>
+          </p:cNvSpPr>
+          <p:nvPr>
+            <p:ph idx="1"/>
+          </p:nvPr>
+        </p:nvSpPr>
+        <p:spPr>
+          <a:xfrm>
+            <a:off x="457200" y="1052736"/>
+            <a:ext cx="8229600" cy="5472608"/>
+          </a:xfrm>
+        </p:spPr>
+        <p:txBody>
+          <a:bodyPr>
+            <a:normAutofit/>
+          </a:bodyPr>
+          <a:lstStyle/>
+          <a:p>
+            <a:r>
+              <a:rPr lang="en-US" dirty="0"/>
+              <a:t>A Petri Net is a bipartite graph </a:t>
+            </a:r>
+            <a:r>
+              <a:rPr lang="en-US" dirty="0" smtClean="0"/>
+              <a:t>containing:</a:t>
+            </a:r>
+          </a:p>
+          <a:p>
+            <a:pPr lvl="1"/>
+            <a:r>
+              <a:rPr lang="en-US" dirty="0" smtClean="0"/>
+              <a:t>places </a:t>
+            </a:r>
+            <a:r>
+              <a:rPr lang="en-US" dirty="0"/>
+              <a:t>(drawn as circles</a:t>
+            </a:r>
+            <a:r>
+              <a:rPr lang="en-US" dirty="0" smtClean="0"/>
+              <a:t>)</a:t>
+            </a:r>
+            <a:endParaRPr lang="en-US" dirty="0"/>
+          </a:p>
+          <a:p>
+            <a:pPr lvl="1"/>
+            <a:r>
+              <a:rPr lang="en-US" dirty="0" smtClean="0"/>
+              <a:t>transitions </a:t>
+            </a:r>
+            <a:r>
+              <a:rPr lang="en-US" dirty="0"/>
+              <a:t>(drawn as rectangles</a:t>
+            </a:r>
+            <a:r>
+              <a:rPr lang="en-US" dirty="0" smtClean="0"/>
+              <a:t>)</a:t>
+            </a:r>
+          </a:p>
+          <a:p>
+            <a:pPr lvl="1"/>
+            <a:endParaRPr lang="en-US" dirty="0"/>
+          </a:p>
+          <a:p>
+            <a:r>
+              <a:rPr lang="en-US" dirty="0"/>
+              <a:t>Places hold tokens and represent predicates </a:t>
+            </a:r>
+            <a:r>
+              <a:rPr lang="en-US" dirty="0" smtClean="0"/>
+              <a:t>about the </a:t>
+            </a:r>
+            <a:r>
+              <a:rPr lang="en-US" dirty="0"/>
+              <a:t>world state or internal </a:t>
+            </a:r>
+            <a:r>
+              <a:rPr lang="en-US" dirty="0" smtClean="0"/>
+              <a:t>state.</a:t>
+            </a:r>
+          </a:p>
+          <a:p>
+            <a:r>
+              <a:rPr lang="en-US" dirty="0"/>
+              <a:t>Transitions are the active component</a:t>
+            </a:r>
+            <a:r>
+              <a:rPr lang="en-US" dirty="0" smtClean="0"/>
+              <a:t>.</a:t>
+            </a:r>
+          </a:p>
+          <a:p>
+            <a:endParaRPr lang="en-US" dirty="0"/>
+          </a:p>
+          <a:p>
+            <a:pPr marL="0" indent="0">
+              <a:buNone/>
+            </a:pPr>
+            <a:r>
+              <a:rPr lang="en-US" sz="2800" dirty="0"/>
+              <a:t>The important </a:t>
+            </a:r>
+            <a:r>
+              <a:rPr lang="en-US" sz="2800" dirty="0" smtClean="0"/>
+              <a:t>feature </a:t>
+            </a:r>
+            <a:r>
+              <a:rPr lang="en-US" sz="2800" dirty="0"/>
+              <a:t>of Petri </a:t>
+            </a:r>
+            <a:r>
+              <a:rPr lang="en-US" sz="2800" dirty="0" smtClean="0"/>
+              <a:t>Net </a:t>
+            </a:r>
+            <a:r>
+              <a:rPr lang="en-US" sz="2800" dirty="0"/>
+              <a:t>is the ability to model events </a:t>
+            </a:r>
+            <a:r>
+              <a:rPr lang="en-US" sz="2800" dirty="0" smtClean="0"/>
+              <a:t>and states </a:t>
+            </a:r>
+            <a:r>
+              <a:rPr lang="en-US" sz="2800" dirty="0"/>
+              <a:t>in a distributed environment.</a:t>
+            </a:r>
+            <a:endParaRPr lang="en-US" sz="2800" dirty="0"/>
+          </a:p>
+        </p:txBody>
+      </p:sp>
+    </p:spTree>
+    <p:extLst>
+      <p:ext uri="{BB962C8B-B14F-4D97-AF65-F5344CB8AC3E}">
+        <p14:creationId xmlns:p14="http://schemas.microsoft.com/office/powerpoint/2010/main" val="821098830"/>
+      </p:ext>
+    </p:extLst>
+  </p:cSld>
+  <p:clrMapOvr>
+    <a:masterClrMapping/>
+  </p:clrMapOvr>
+  <p:timing>
+    <p:tnLst>
+      <p:par>
+        <p:cTn id="1" dur="indefinite" restart="never" nodeType="tmRoot">
+          <p:childTnLst>
+            <p:seq concurrent="1" nextAc="seek">
+              <p:cTn id="2" dur="indefinite" nodeType="mainSeq">
+                <p:childTnLst>
+                  <p:par>
+                    <p:cTn id="3" fill="hold">
+                      <p:stCondLst>
+                        <p:cond delay="indefinite"/>
+                      </p:stCondLst>
+                      <p:childTnLst>
+                        <p:par>
+                          <p:cTn id="4" fill="hold">
+                            <p:stCondLst>
+                              <p:cond delay="0"/>
+                            </p:stCondLst>
+                            <p:childTnLst>
+                              <p:par>
+                                <p:cTn id="5" presetID="1" presetClass="entr" presetSubtype="0" fill="hold" nodeType="clickEffect">
+                                  <p:stCondLst>
+                                    <p:cond delay="0"/>
+                                  </p:stCondLst>
+                                  <p:childTnLst>
+                                    <p:set>
+                                      <p:cBhvr>
+                                        <p:cTn id="6" dur="1" fill="hold">
+                                          <p:stCondLst>
+                                            <p:cond delay="0"/>
+                                          </p:stCondLst>
+                                        </p:cTn>
+                                        <p:tgtEl>
+                                          <p:spTgt spid="3">
+                                            <p:txEl>
+                                              <p:pRg st="7" end="7"/>
+                                            </p:txEl>
+                                          </p:spTgt>
+                                        </p:tgtEl>
+                                        <p:attrNameLst>
+                                          <p:attrName>style.visibility</p:attrName>
+                                        </p:attrNameLst>
+                                      </p:cBhvr>
+                                      <p:to>
+                                        <p:strVal val="visible"/>
+                                      </p:to>
+                                    </p:set>
+                                  </p:childTnLst>
+                                </p:cTn>
+                              </p:par>
+                            </p:childTnLst>
+                          </p:cTn>
+                        </p:par>
+                      </p:childTnLst>
+                    </p:cTn>
+                  </p:par>
+                </p:childTnLst>
+              </p:cTn>
+              <p:prevCondLst>
+                <p:cond evt="onPrev" delay="0">
+                  <p:tgtEl>
+                    <p:sldTgt/>
+                  </p:tgtEl>
+                </p:cond>
+              </p:prevCondLst>
+              <p:nextCondLst>
+                <p:cond evt="onNext" delay="0">
+                  <p:tgtEl>
+                    <p:sldTgt/>
+                  </p:tgtEl>
+                </p:cond>
+              </p:nextCondLst>
+            </p:seq>
+          </p:childTnLst>
+        </p:cTn>
       </p:par>
     </p:tnLst>
   </p:timing>
@@ -4421,4 +6375,289 @@
   <a:objectDefaults/>
   <a:extraClrSchemeLst/>
 </a:theme>
+</file>
+
+<file path=ppt/theme/theme2.xml><?xml version="1.0" encoding="utf-8"?>
+<a:theme xmlns:a="http://schemas.openxmlformats.org/drawingml/2006/main" name="Θέμα του Office">
+  <a:themeElements>
+    <a:clrScheme name="Office">
+      <a:dk1>
+        <a:sysClr val="windowText" lastClr="565656"/>
+      </a:dk1>
+      <a:lt1>
+        <a:sysClr val="window" lastClr="FFFFFF"/>
+      </a:lt1>
+      <a:dk2>
+        <a:srgbClr val="1F497D"/>
+      </a:dk2>
+      <a:lt2>
+        <a:srgbClr val="EEECE1"/>
+      </a:lt2>
+      <a:accent1>
+        <a:srgbClr val="4F81BD"/>
+      </a:accent1>
+      <a:accent2>
+        <a:srgbClr val="C0504D"/>
+      </a:accent2>
+      <a:accent3>
+        <a:srgbClr val="9BBB59"/>
+      </a:accent3>
+      <a:accent4>
+        <a:srgbClr val="8064A2"/>
+      </a:accent4>
+      <a:accent5>
+        <a:srgbClr val="4BACC6"/>
+      </a:accent5>
+      <a:accent6>
+        <a:srgbClr val="F79646"/>
+      </a:accent6>
+      <a:hlink>
+        <a:srgbClr val="0000FF"/>
+      </a:hlink>
+      <a:folHlink>
+        <a:srgbClr val="800080"/>
+      </a:folHlink>
+    </a:clrScheme>
+    <a:fontScheme name="Office">
+      <a:majorFont>
+        <a:latin typeface="Calibri"/>
+        <a:ea typeface=""/>
+        <a:cs typeface=""/>
+        <a:font script="Jpan" typeface="ＭＳ Ｐゴシック"/>
+        <a:font script="Hang" typeface="맑은 고딕"/>
+        <a:font script="Hans" typeface="宋体"/>
+        <a:font script="Hant" typeface="新細明體"/>
+        <a:font script="Arab" typeface="Times New Roman"/>
+        <a:font script="Hebr" typeface="Times New Roman"/>
+        <a:font script="Thai" typeface="Angsana New"/>
+        <a:font script="Ethi" typeface="Nyala"/>
+        <a:font script="Beng" typeface="Vrinda"/>
+        <a:font script="Gujr" typeface="Shruti"/>
+        <a:font script="Khmr" typeface="MoolBoran"/>
+        <a:font script="Knda" typeface="Tunga"/>
+        <a:font script="Guru" typeface="Raavi"/>
+        <a:font script="Cans" typeface="Euphemia"/>
+        <a:font script="Cher" typeface="Plantagenet Cherokee"/>
+        <a:font script="Yiii" typeface="Microsoft Yi Baiti"/>
+        <a:font script="Tibt" typeface="Microsoft Himalaya"/>
+        <a:font script="Thaa" typeface="MV Boli"/>
+        <a:font script="Deva" typeface="Mangal"/>
+        <a:font script="Telu" typeface="Gautami"/>
+        <a:font script="Taml" typeface="Latha"/>
+        <a:font script="Syrc" typeface="Estrangelo Edessa"/>
+        <a:font script="Orya" typeface="Kalinga"/>
+        <a:font script="Mlym" typeface="Kartika"/>
+        <a:font script="Laoo" typeface="DokChampa"/>
+        <a:font script="Sinh" typeface="Iskoola Pota"/>
+        <a:font script="Mong" typeface="Mongolian Baiti"/>
+        <a:font script="Viet" typeface="Times New Roman"/>
+        <a:font script="Uigh" typeface="Microsoft Uighur"/>
+        <a:font script="Geor" typeface="Sylfaen"/>
+      </a:majorFont>
+      <a:minorFont>
+        <a:latin typeface="Calibri"/>
+        <a:ea typeface=""/>
+        <a:cs typeface=""/>
+        <a:font script="Jpan" typeface="ＭＳ Ｐゴシック"/>
+        <a:font script="Hang" typeface="맑은 고딕"/>
+        <a:font script="Hans" typeface="宋体"/>
+        <a:font script="Hant" typeface="新細明體"/>
+        <a:font script="Arab" typeface="Arial"/>
+        <a:font script="Hebr" typeface="Arial"/>
+        <a:font script="Thai" typeface="Cordia New"/>
+        <a:font script="Ethi" typeface="Nyala"/>
+        <a:font script="Beng" typeface="Vrinda"/>
+        <a:font script="Gujr" typeface="Shruti"/>
+        <a:font script="Khmr" typeface="DaunPenh"/>
+        <a:font script="Knda" typeface="Tunga"/>
+        <a:font script="Guru" typeface="Raavi"/>
+        <a:font script="Cans" typeface="Euphemia"/>
+        <a:font script="Cher" typeface="Plantagenet Cherokee"/>
+        <a:font script="Yiii" typeface="Microsoft Yi Baiti"/>
+        <a:font script="Tibt" typeface="Microsoft Himalaya"/>
+        <a:font script="Thaa" typeface="MV Boli"/>
+        <a:font script="Deva" typeface="Mangal"/>
+        <a:font script="Telu" typeface="Gautami"/>
+        <a:font script="Taml" typeface="Latha"/>
+        <a:font script="Syrc" typeface="Estrangelo Edessa"/>
+        <a:font script="Orya" typeface="Kalinga"/>
+        <a:font script="Mlym" typeface="Kartika"/>
+        <a:font script="Laoo" typeface="DokChampa"/>
+        <a:font script="Sinh" typeface="Iskoola Pota"/>
+        <a:font script="Mong" typeface="Mongolian Baiti"/>
+        <a:font script="Viet" typeface="Arial"/>
+        <a:font script="Uigh" typeface="Microsoft Uighur"/>
+        <a:font script="Geor" typeface="Sylfaen"/>
+      </a:minorFont>
+    </a:fontScheme>
+    <a:fmtScheme name="Office">
+      <a:fillStyleLst>
+        <a:solidFill>
+          <a:schemeClr val="phClr"/>
+        </a:solidFill>
+        <a:gradFill rotWithShape="1">
+          <a:gsLst>
+            <a:gs pos="0">
+              <a:schemeClr val="phClr">
+                <a:tint val="50000"/>
+                <a:satMod val="300000"/>
+              </a:schemeClr>
+            </a:gs>
+            <a:gs pos="35000">
+              <a:schemeClr val="phClr">
+                <a:tint val="37000"/>
+                <a:satMod val="300000"/>
+              </a:schemeClr>
+            </a:gs>
+            <a:gs pos="100000">
+              <a:schemeClr val="phClr">
+                <a:tint val="15000"/>
+                <a:satMod val="350000"/>
+              </a:schemeClr>
+            </a:gs>
+          </a:gsLst>
+          <a:lin ang="16200000" scaled="1"/>
+        </a:gradFill>
+        <a:gradFill rotWithShape="1">
+          <a:gsLst>
+            <a:gs pos="0">
+              <a:schemeClr val="phClr">
+                <a:shade val="51000"/>
+                <a:satMod val="130000"/>
+              </a:schemeClr>
+            </a:gs>
+            <a:gs pos="80000">
+              <a:schemeClr val="phClr">
+                <a:shade val="93000"/>
+                <a:satMod val="130000"/>
+              </a:schemeClr>
+            </a:gs>
+            <a:gs pos="100000">
+              <a:schemeClr val="phClr">
+                <a:shade val="94000"/>
+                <a:satMod val="135000"/>
+              </a:schemeClr>
+            </a:gs>
+          </a:gsLst>
+          <a:lin ang="16200000" scaled="0"/>
+        </a:gradFill>
+      </a:fillStyleLst>
+      <a:lnStyleLst>
+        <a:ln w="9525" cap="flat" cmpd="sng" algn="ctr">
+          <a:solidFill>
+            <a:schemeClr val="phClr">
+              <a:shade val="95000"/>
+              <a:satMod val="105000"/>
+            </a:schemeClr>
+          </a:solidFill>
+          <a:prstDash val="solid"/>
+        </a:ln>
+        <a:ln w="25400" cap="flat" cmpd="sng" algn="ctr">
+          <a:solidFill>
+            <a:schemeClr val="phClr"/>
+          </a:solidFill>
+          <a:prstDash val="solid"/>
+        </a:ln>
+        <a:ln w="38100" cap="flat" cmpd="sng" algn="ctr">
+          <a:solidFill>
+            <a:schemeClr val="phClr"/>
+          </a:solidFill>
+          <a:prstDash val="solid"/>
+        </a:ln>
+      </a:lnStyleLst>
+      <a:effectStyleLst>
+        <a:effectStyle>
+          <a:effectLst>
+            <a:outerShdw blurRad="40000" dist="20000" dir="5400000" rotWithShape="0">
+              <a:srgbClr val="000000">
+                <a:alpha val="38000"/>
+              </a:srgbClr>
+            </a:outerShdw>
+          </a:effectLst>
+        </a:effectStyle>
+        <a:effectStyle>
+          <a:effectLst>
+            <a:outerShdw blurRad="40000" dist="23000" dir="5400000" rotWithShape="0">
+              <a:srgbClr val="000000">
+                <a:alpha val="35000"/>
+              </a:srgbClr>
+            </a:outerShdw>
+          </a:effectLst>
+        </a:effectStyle>
+        <a:effectStyle>
+          <a:effectLst>
+            <a:outerShdw blurRad="40000" dist="23000" dir="5400000" rotWithShape="0">
+              <a:srgbClr val="000000">
+                <a:alpha val="35000"/>
+              </a:srgbClr>
+            </a:outerShdw>
+          </a:effectLst>
+          <a:scene3d>
+            <a:camera prst="orthographicFront">
+              <a:rot lat="0" lon="0" rev="0"/>
+            </a:camera>
+            <a:lightRig rig="threePt" dir="t">
+              <a:rot lat="0" lon="0" rev="1200000"/>
+            </a:lightRig>
+          </a:scene3d>
+          <a:sp3d>
+            <a:bevelT w="63500" h="25400"/>
+          </a:sp3d>
+        </a:effectStyle>
+      </a:effectStyleLst>
+      <a:bgFillStyleLst>
+        <a:solidFill>
+          <a:schemeClr val="phClr"/>
+        </a:solidFill>
+        <a:gradFill rotWithShape="1">
+          <a:gsLst>
+            <a:gs pos="0">
+              <a:schemeClr val="phClr">
+                <a:tint val="40000"/>
+                <a:satMod val="350000"/>
+              </a:schemeClr>
+            </a:gs>
+            <a:gs pos="40000">
+              <a:schemeClr val="phClr">
+                <a:tint val="45000"/>
+                <a:shade val="99000"/>
+                <a:satMod val="350000"/>
+              </a:schemeClr>
+            </a:gs>
+            <a:gs pos="100000">
+              <a:schemeClr val="phClr">
+                <a:shade val="20000"/>
+                <a:satMod val="255000"/>
+              </a:schemeClr>
+            </a:gs>
+          </a:gsLst>
+          <a:path path="circle">
+            <a:fillToRect l="50000" t="-80000" r="50000" b="180000"/>
+          </a:path>
+        </a:gradFill>
+        <a:gradFill rotWithShape="1">
+          <a:gsLst>
+            <a:gs pos="0">
+              <a:schemeClr val="phClr">
+                <a:tint val="80000"/>
+                <a:satMod val="300000"/>
+              </a:schemeClr>
+            </a:gs>
+            <a:gs pos="100000">
+              <a:schemeClr val="phClr">
+                <a:shade val="30000"/>
+                <a:satMod val="200000"/>
+              </a:schemeClr>
+            </a:gs>
+          </a:gsLst>
+          <a:path path="circle">
+            <a:fillToRect l="50000" t="50000" r="50000" b="50000"/>
+          </a:path>
+        </a:gradFill>
+      </a:bgFillStyleLst>
+    </a:fmtScheme>
+  </a:themeElements>
+  <a:objectDefaults/>
+  <a:extraClrSchemeLst/>
+</a:theme>
 </file>
--- a/presentation/michath_slides.pptx
+++ b/presentation/michath_slides.pptx
@@ -5,7 +5,7 @@
     <p:sldMasterId id="2147483660" r:id="rId1"/>
   </p:sldMasterIdLst>
   <p:notesMasterIdLst>
-    <p:notesMasterId r:id="rId12"/>
+    <p:notesMasterId r:id="rId17"/>
   </p:notesMasterIdLst>
   <p:sldIdLst>
     <p:sldId id="256" r:id="rId2"/>
@@ -18,6 +18,11 @@
     <p:sldId id="263" r:id="rId9"/>
     <p:sldId id="264" r:id="rId10"/>
     <p:sldId id="268" r:id="rId11"/>
+    <p:sldId id="269" r:id="rId12"/>
+    <p:sldId id="270" r:id="rId13"/>
+    <p:sldId id="272" r:id="rId14"/>
+    <p:sldId id="271" r:id="rId15"/>
+    <p:sldId id="273" r:id="rId16"/>
   </p:sldIdLst>
   <p:sldSz cx="9144000" cy="6858000" type="screen4x3"/>
   <p:notesSz cx="6858000" cy="9144000"/>
@@ -201,7 +206,7 @@
           <a:p>
             <a:fld id="{56E6D825-14CF-4B20-859D-DEBC615A546A}" type="datetimeFigureOut">
               <a:rPr lang="en-US" smtClean="0"/>
-              <a:t>05-May-15</a:t>
+              <a:t>06-May-15</a:t>
             </a:fld>
             <a:endParaRPr lang="en-US"/>
           </a:p>
@@ -653,7 +658,7 @@
           <a:p>
             <a:fld id="{F2853615-BFDE-46DE-814C-47EC6EF6D371}" type="datetimeFigureOut">
               <a:rPr lang="el-GR" smtClean="0"/>
-              <a:t>5/5/2015</a:t>
+              <a:t>6/5/2015</a:t>
             </a:fld>
             <a:endParaRPr lang="el-GR"/>
           </a:p>
@@ -838,7 +843,7 @@
           <a:p>
             <a:fld id="{F2853615-BFDE-46DE-814C-47EC6EF6D371}" type="datetimeFigureOut">
               <a:rPr lang="el-GR" smtClean="0"/>
-              <a:t>5/5/2015</a:t>
+              <a:t>6/5/2015</a:t>
             </a:fld>
             <a:endParaRPr lang="el-GR"/>
           </a:p>
@@ -1028,7 +1033,7 @@
           <a:p>
             <a:fld id="{F2853615-BFDE-46DE-814C-47EC6EF6D371}" type="datetimeFigureOut">
               <a:rPr lang="el-GR" smtClean="0"/>
-              <a:t>5/5/2015</a:t>
+              <a:t>6/5/2015</a:t>
             </a:fld>
             <a:endParaRPr lang="el-GR"/>
           </a:p>
@@ -1231,7 +1236,7 @@
           <a:p>
             <a:fld id="{F2853615-BFDE-46DE-814C-47EC6EF6D371}" type="datetimeFigureOut">
               <a:rPr lang="el-GR" smtClean="0"/>
-              <a:t>5/5/2015</a:t>
+              <a:t>6/5/2015</a:t>
             </a:fld>
             <a:endParaRPr lang="el-GR"/>
           </a:p>
@@ -1487,7 +1492,7 @@
           <a:p>
             <a:fld id="{F2853615-BFDE-46DE-814C-47EC6EF6D371}" type="datetimeFigureOut">
               <a:rPr lang="el-GR" smtClean="0"/>
-              <a:t>5/5/2015</a:t>
+              <a:t>6/5/2015</a:t>
             </a:fld>
             <a:endParaRPr lang="el-GR"/>
           </a:p>
@@ -1759,7 +1764,7 @@
           <a:p>
             <a:fld id="{F2853615-BFDE-46DE-814C-47EC6EF6D371}" type="datetimeFigureOut">
               <a:rPr lang="el-GR" smtClean="0"/>
-              <a:t>5/5/2015</a:t>
+              <a:t>6/5/2015</a:t>
             </a:fld>
             <a:endParaRPr lang="el-GR"/>
           </a:p>
@@ -2221,7 +2226,7 @@
           <a:p>
             <a:fld id="{F2853615-BFDE-46DE-814C-47EC6EF6D371}" type="datetimeFigureOut">
               <a:rPr lang="el-GR" smtClean="0"/>
-              <a:t>5/5/2015</a:t>
+              <a:t>6/5/2015</a:t>
             </a:fld>
             <a:endParaRPr lang="el-GR"/>
           </a:p>
@@ -2398,7 +2403,7 @@
           <a:p>
             <a:fld id="{F2853615-BFDE-46DE-814C-47EC6EF6D371}" type="datetimeFigureOut">
               <a:rPr lang="el-GR" smtClean="0"/>
-              <a:t>5/5/2015</a:t>
+              <a:t>6/5/2015</a:t>
             </a:fld>
             <a:endParaRPr lang="el-GR"/>
           </a:p>
@@ -2500,7 +2505,7 @@
           <a:p>
             <a:fld id="{F2853615-BFDE-46DE-814C-47EC6EF6D371}" type="datetimeFigureOut">
               <a:rPr lang="el-GR" smtClean="0"/>
-              <a:t>5/5/2015</a:t>
+              <a:t>6/5/2015</a:t>
             </a:fld>
             <a:endParaRPr lang="el-GR"/>
           </a:p>
@@ -2787,7 +2792,7 @@
           <a:p>
             <a:fld id="{F2853615-BFDE-46DE-814C-47EC6EF6D371}" type="datetimeFigureOut">
               <a:rPr lang="el-GR" smtClean="0"/>
-              <a:t>5/5/2015</a:t>
+              <a:t>6/5/2015</a:t>
             </a:fld>
             <a:endParaRPr lang="el-GR"/>
           </a:p>
@@ -3050,7 +3055,7 @@
           <a:p>
             <a:fld id="{F2853615-BFDE-46DE-814C-47EC6EF6D371}" type="datetimeFigureOut">
               <a:rPr lang="el-GR" smtClean="0"/>
-              <a:t>5/5/2015</a:t>
+              <a:t>6/5/2015</a:t>
             </a:fld>
             <a:endParaRPr lang="el-GR"/>
           </a:p>
@@ -3237,7 +3242,7 @@
           <a:p>
             <a:fld id="{F2853615-BFDE-46DE-814C-47EC6EF6D371}" type="datetimeFigureOut">
               <a:rPr lang="el-GR" smtClean="0"/>
-              <a:t>5/5/2015</a:t>
+              <a:t>6/5/2015</a:t>
             </a:fld>
             <a:endParaRPr lang="el-GR"/>
           </a:p>
@@ -3735,6 +3740,47 @@
           <a:chExt cx="0" cy="0"/>
         </a:xfrm>
       </p:grpSpPr>
+      <p:pic>
+        <p:nvPicPr>
+          <p:cNvPr id="2050" name="Picture 2" descr="C:\Github\cs565\presentation\images\seq-simple.jpg"/>
+          <p:cNvPicPr>
+            <a:picLocks noChangeAspect="1" noChangeArrowheads="1"/>
+          </p:cNvPicPr>
+          <p:nvPr/>
+        </p:nvPicPr>
+        <p:blipFill>
+          <a:blip r:embed="rId2" cstate="print">
+            <a:extLst>
+              <a:ext uri="{28A0092B-C50C-407E-A947-70E740481C1C}">
+                <a14:useLocalDpi xmlns:a14="http://schemas.microsoft.com/office/drawing/2010/main" val="0"/>
+              </a:ext>
+            </a:extLst>
+          </a:blip>
+          <a:srcRect/>
+          <a:stretch>
+            <a:fillRect/>
+          </a:stretch>
+        </p:blipFill>
+        <p:spPr bwMode="auto">
+          <a:xfrm>
+            <a:off x="1115616" y="4293096"/>
+            <a:ext cx="6718300" cy="2470150"/>
+          </a:xfrm>
+          <a:prstGeom prst="rect">
+            <a:avLst/>
+          </a:prstGeom>
+          <a:noFill/>
+          <a:extLst>
+            <a:ext uri="{909E8E84-426E-40DD-AFC4-6F175D3DCCD1}">
+              <a14:hiddenFill xmlns:a14="http://schemas.microsoft.com/office/drawing/2010/main">
+                <a:solidFill>
+                  <a:srgbClr val="FFFFFF"/>
+                </a:solidFill>
+              </a14:hiddenFill>
+            </a:ext>
+          </a:extLst>
+        </p:spPr>
+      </p:pic>
       <p:sp>
         <p:nvSpPr>
           <p:cNvPr id="6" name="Θέση κειμένου 5"/>
@@ -3760,7 +3806,6 @@
               <a:rPr lang="en-US" dirty="0"/>
               <a:t>Petri Net (PN)</a:t>
             </a:r>
-            <a:endParaRPr lang="en-US" dirty="0"/>
           </a:p>
         </p:txBody>
       </p:sp>
@@ -3980,6 +4025,866 @@
       </p:par>
     </p:tnLst>
   </p:timing>
+</p:sld>
+</file>
+
+<file path=ppt/slides/slide11.xml><?xml version="1.0" encoding="utf-8"?>
+<p:sld xmlns:a="http://schemas.openxmlformats.org/drawingml/2006/main" xmlns:r="http://schemas.openxmlformats.org/officeDocument/2006/relationships" xmlns:p="http://schemas.openxmlformats.org/presentationml/2006/main">
+  <p:cSld>
+    <p:spTree>
+      <p:nvGrpSpPr>
+        <p:cNvPr id="1" name=""/>
+        <p:cNvGrpSpPr/>
+        <p:nvPr/>
+      </p:nvGrpSpPr>
+      <p:grpSpPr>
+        <a:xfrm>
+          <a:off x="0" y="0"/>
+          <a:ext cx="0" cy="0"/>
+          <a:chOff x="0" y="0"/>
+          <a:chExt cx="0" cy="0"/>
+        </a:xfrm>
+      </p:grpSpPr>
+      <p:pic>
+        <p:nvPicPr>
+          <p:cNvPr id="1030" name="Picture 6" descr="C:\Github\cs565\presentation\images\seq-split-join.jpg"/>
+          <p:cNvPicPr>
+            <a:picLocks noChangeAspect="1" noChangeArrowheads="1"/>
+          </p:cNvPicPr>
+          <p:nvPr/>
+        </p:nvPicPr>
+        <p:blipFill>
+          <a:blip r:embed="rId2" cstate="print">
+            <a:extLst>
+              <a:ext uri="{28A0092B-C50C-407E-A947-70E740481C1C}">
+                <a14:useLocalDpi xmlns:a14="http://schemas.microsoft.com/office/drawing/2010/main" val="0"/>
+              </a:ext>
+            </a:extLst>
+          </a:blip>
+          <a:srcRect/>
+          <a:stretch>
+            <a:fillRect/>
+          </a:stretch>
+        </p:blipFill>
+        <p:spPr bwMode="auto">
+          <a:xfrm>
+            <a:off x="4267241" y="1510556"/>
+            <a:ext cx="4697247" cy="1607294"/>
+          </a:xfrm>
+          <a:prstGeom prst="rect">
+            <a:avLst/>
+          </a:prstGeom>
+          <a:noFill/>
+          <a:extLst>
+            <a:ext uri="{909E8E84-426E-40DD-AFC4-6F175D3DCCD1}">
+              <a14:hiddenFill xmlns:a14="http://schemas.microsoft.com/office/drawing/2010/main">
+                <a:solidFill>
+                  <a:srgbClr val="FFFFFF"/>
+                </a:solidFill>
+              </a14:hiddenFill>
+            </a:ext>
+          </a:extLst>
+        </p:spPr>
+      </p:pic>
+      <p:sp>
+        <p:nvSpPr>
+          <p:cNvPr id="8" name="Θέση περιεχομένου 7"/>
+          <p:cNvSpPr>
+            <a:spLocks noGrp="1"/>
+          </p:cNvSpPr>
+          <p:nvPr>
+            <p:ph sz="half" idx="1"/>
+          </p:nvPr>
+        </p:nvSpPr>
+        <p:spPr/>
+        <p:txBody>
+          <a:bodyPr/>
+          <a:lstStyle/>
+          <a:p>
+            <a:r>
+              <a:rPr lang="en-US" dirty="0" smtClean="0"/>
+              <a:t>Choice</a:t>
+            </a:r>
+          </a:p>
+          <a:p>
+            <a:endParaRPr lang="en-US" dirty="0"/>
+          </a:p>
+          <a:p>
+            <a:pPr marL="0" indent="0">
+              <a:buNone/>
+            </a:pPr>
+            <a:endParaRPr lang="en-US" dirty="0" smtClean="0"/>
+          </a:p>
+          <a:p>
+            <a:pPr marL="0" indent="0">
+              <a:buNone/>
+            </a:pPr>
+            <a:endParaRPr lang="en-US" sz="1600" dirty="0" smtClean="0"/>
+          </a:p>
+          <a:p>
+            <a:r>
+              <a:rPr lang="en-US" dirty="0" smtClean="0"/>
+              <a:t>If-Then-Else</a:t>
+            </a:r>
+            <a:endParaRPr lang="en-US" dirty="0"/>
+          </a:p>
+        </p:txBody>
+      </p:sp>
+      <p:sp>
+        <p:nvSpPr>
+          <p:cNvPr id="9" name="Θέση περιεχομένου 8"/>
+          <p:cNvSpPr>
+            <a:spLocks noGrp="1"/>
+          </p:cNvSpPr>
+          <p:nvPr>
+            <p:ph sz="half" idx="2"/>
+          </p:nvPr>
+        </p:nvSpPr>
+        <p:spPr/>
+        <p:txBody>
+          <a:bodyPr/>
+          <a:lstStyle/>
+          <a:p>
+            <a:r>
+              <a:rPr lang="en-US" dirty="0" smtClean="0"/>
+              <a:t>Split &amp; Join</a:t>
+            </a:r>
+          </a:p>
+          <a:p>
+            <a:endParaRPr lang="en-US" dirty="0" smtClean="0"/>
+          </a:p>
+          <a:p>
+            <a:endParaRPr lang="en-US" dirty="0"/>
+          </a:p>
+          <a:p>
+            <a:endParaRPr lang="en-US" dirty="0" smtClean="0"/>
+          </a:p>
+          <a:p>
+            <a:r>
+              <a:rPr lang="en-US" dirty="0" smtClean="0"/>
+              <a:t>Iterative</a:t>
+            </a:r>
+          </a:p>
+          <a:p>
+            <a:pPr marL="0" indent="0">
+              <a:buNone/>
+            </a:pPr>
+            <a:endParaRPr lang="en-US" dirty="0"/>
+          </a:p>
+        </p:txBody>
+      </p:sp>
+      <p:sp>
+        <p:nvSpPr>
+          <p:cNvPr id="6" name="Τίτλος 5"/>
+          <p:cNvSpPr>
+            <a:spLocks noGrp="1"/>
+          </p:cNvSpPr>
+          <p:nvPr>
+            <p:ph type="title"/>
+          </p:nvPr>
+        </p:nvSpPr>
+        <p:spPr/>
+        <p:txBody>
+          <a:bodyPr/>
+          <a:lstStyle/>
+          <a:p>
+            <a:r>
+              <a:rPr lang="en-US" dirty="0" smtClean="0"/>
+              <a:t>Petri Net 3/3</a:t>
+            </a:r>
+            <a:endParaRPr lang="en-US" dirty="0"/>
+          </a:p>
+        </p:txBody>
+      </p:sp>
+      <p:pic>
+        <p:nvPicPr>
+          <p:cNvPr id="1028" name="Picture 4" descr="C:\Github\cs565\presentation\images\seq-choice.jpg"/>
+          <p:cNvPicPr>
+            <a:picLocks noChangeAspect="1" noChangeArrowheads="1"/>
+          </p:cNvPicPr>
+          <p:nvPr/>
+        </p:nvPicPr>
+        <p:blipFill>
+          <a:blip r:embed="rId3" cstate="print">
+            <a:extLst>
+              <a:ext uri="{28A0092B-C50C-407E-A947-70E740481C1C}">
+                <a14:useLocalDpi xmlns:a14="http://schemas.microsoft.com/office/drawing/2010/main" val="0"/>
+              </a:ext>
+            </a:extLst>
+          </a:blip>
+          <a:srcRect/>
+          <a:stretch>
+            <a:fillRect/>
+          </a:stretch>
+        </p:blipFill>
+        <p:spPr bwMode="auto">
+          <a:xfrm>
+            <a:off x="179512" y="1556792"/>
+            <a:ext cx="4055320" cy="1080120"/>
+          </a:xfrm>
+          <a:prstGeom prst="rect">
+            <a:avLst/>
+          </a:prstGeom>
+          <a:noFill/>
+          <a:extLst>
+            <a:ext uri="{909E8E84-426E-40DD-AFC4-6F175D3DCCD1}">
+              <a14:hiddenFill xmlns:a14="http://schemas.microsoft.com/office/drawing/2010/main">
+                <a:solidFill>
+                  <a:srgbClr val="FFFFFF"/>
+                </a:solidFill>
+              </a14:hiddenFill>
+            </a:ext>
+          </a:extLst>
+        </p:spPr>
+      </p:pic>
+      <p:pic>
+        <p:nvPicPr>
+          <p:cNvPr id="1029" name="Picture 5" descr="C:\Github\cs565\presentation\images\seq-if.jpg"/>
+          <p:cNvPicPr>
+            <a:picLocks noChangeAspect="1" noChangeArrowheads="1"/>
+          </p:cNvPicPr>
+          <p:nvPr/>
+        </p:nvPicPr>
+        <p:blipFill>
+          <a:blip r:embed="rId4" cstate="print">
+            <a:extLst>
+              <a:ext uri="{28A0092B-C50C-407E-A947-70E740481C1C}">
+                <a14:useLocalDpi xmlns:a14="http://schemas.microsoft.com/office/drawing/2010/main" val="0"/>
+              </a:ext>
+            </a:extLst>
+          </a:blip>
+          <a:srcRect/>
+          <a:stretch>
+            <a:fillRect/>
+          </a:stretch>
+        </p:blipFill>
+        <p:spPr bwMode="auto">
+          <a:xfrm>
+            <a:off x="278816" y="3573016"/>
+            <a:ext cx="4099000" cy="2317096"/>
+          </a:xfrm>
+          <a:prstGeom prst="rect">
+            <a:avLst/>
+          </a:prstGeom>
+          <a:noFill/>
+          <a:extLst>
+            <a:ext uri="{909E8E84-426E-40DD-AFC4-6F175D3DCCD1}">
+              <a14:hiddenFill xmlns:a14="http://schemas.microsoft.com/office/drawing/2010/main">
+                <a:solidFill>
+                  <a:srgbClr val="FFFFFF"/>
+                </a:solidFill>
+              </a14:hiddenFill>
+            </a:ext>
+          </a:extLst>
+        </p:spPr>
+      </p:pic>
+      <p:pic>
+        <p:nvPicPr>
+          <p:cNvPr id="1031" name="Picture 7" descr="C:\Github\cs565\presentation\images\seq-iterate.jpg"/>
+          <p:cNvPicPr>
+            <a:picLocks noChangeAspect="1" noChangeArrowheads="1"/>
+          </p:cNvPicPr>
+          <p:nvPr/>
+        </p:nvPicPr>
+        <p:blipFill>
+          <a:blip r:embed="rId5" cstate="print">
+            <a:extLst>
+              <a:ext uri="{28A0092B-C50C-407E-A947-70E740481C1C}">
+                <a14:useLocalDpi xmlns:a14="http://schemas.microsoft.com/office/drawing/2010/main" val="0"/>
+              </a:ext>
+            </a:extLst>
+          </a:blip>
+          <a:srcRect/>
+          <a:stretch>
+            <a:fillRect/>
+          </a:stretch>
+        </p:blipFill>
+        <p:spPr bwMode="auto">
+          <a:xfrm>
+            <a:off x="4528518" y="3789040"/>
+            <a:ext cx="4174692" cy="2018704"/>
+          </a:xfrm>
+          <a:prstGeom prst="rect">
+            <a:avLst/>
+          </a:prstGeom>
+          <a:noFill/>
+          <a:extLst>
+            <a:ext uri="{909E8E84-426E-40DD-AFC4-6F175D3DCCD1}">
+              <a14:hiddenFill xmlns:a14="http://schemas.microsoft.com/office/drawing/2010/main">
+                <a:solidFill>
+                  <a:srgbClr val="FFFFFF"/>
+                </a:solidFill>
+              </a14:hiddenFill>
+            </a:ext>
+          </a:extLst>
+        </p:spPr>
+      </p:pic>
+    </p:spTree>
+    <p:extLst>
+      <p:ext uri="{BB962C8B-B14F-4D97-AF65-F5344CB8AC3E}">
+        <p14:creationId xmlns:p14="http://schemas.microsoft.com/office/powerpoint/2010/main" val="567537847"/>
+      </p:ext>
+    </p:extLst>
+  </p:cSld>
+  <p:clrMapOvr>
+    <a:masterClrMapping/>
+  </p:clrMapOvr>
+  <p:timing>
+    <p:tnLst>
+      <p:par>
+        <p:cTn id="1" dur="indefinite" restart="never" nodeType="tmRoot"/>
+      </p:par>
+    </p:tnLst>
+  </p:timing>
+</p:sld>
+</file>
+
+<file path=ppt/slides/slide12.xml><?xml version="1.0" encoding="utf-8"?>
+<p:sld xmlns:a="http://schemas.openxmlformats.org/drawingml/2006/main" xmlns:r="http://schemas.openxmlformats.org/officeDocument/2006/relationships" xmlns:p="http://schemas.openxmlformats.org/presentationml/2006/main">
+  <p:cSld>
+    <p:spTree>
+      <p:nvGrpSpPr>
+        <p:cNvPr id="1" name=""/>
+        <p:cNvGrpSpPr/>
+        <p:nvPr/>
+      </p:nvGrpSpPr>
+      <p:grpSpPr>
+        <a:xfrm>
+          <a:off x="0" y="0"/>
+          <a:ext cx="0" cy="0"/>
+          <a:chOff x="0" y="0"/>
+          <a:chExt cx="0" cy="0"/>
+        </a:xfrm>
+      </p:grpSpPr>
+      <p:sp>
+        <p:nvSpPr>
+          <p:cNvPr id="4" name="Τίτλος 3"/>
+          <p:cNvSpPr>
+            <a:spLocks noGrp="1"/>
+          </p:cNvSpPr>
+          <p:nvPr>
+            <p:ph type="title"/>
+          </p:nvPr>
+        </p:nvSpPr>
+        <p:spPr/>
+        <p:txBody>
+          <a:bodyPr>
+            <a:normAutofit fontScale="90000"/>
+          </a:bodyPr>
+          <a:lstStyle/>
+          <a:p>
+            <a:r>
+              <a:rPr lang="en-US" dirty="0"/>
+              <a:t>Analysis of Web Services using Petri Net</a:t>
+            </a:r>
+            <a:endParaRPr lang="en-US" dirty="0"/>
+          </a:p>
+        </p:txBody>
+      </p:sp>
+      <p:sp>
+        <p:nvSpPr>
+          <p:cNvPr id="5" name="Θέση περιεχομένου 4"/>
+          <p:cNvSpPr>
+            <a:spLocks noGrp="1"/>
+          </p:cNvSpPr>
+          <p:nvPr>
+            <p:ph idx="1"/>
+          </p:nvPr>
+        </p:nvSpPr>
+        <p:spPr/>
+        <p:txBody>
+          <a:bodyPr>
+            <a:normAutofit/>
+          </a:bodyPr>
+          <a:lstStyle/>
+          <a:p>
+            <a:r>
+              <a:rPr lang="en-US" b="1" dirty="0" smtClean="0"/>
+              <a:t>Simulation</a:t>
+            </a:r>
+            <a:r>
+              <a:rPr lang="en-US" dirty="0" smtClean="0"/>
+              <a:t> – </a:t>
+            </a:r>
+            <a:r>
+              <a:rPr lang="en-US" sz="2400" i="1" dirty="0" smtClean="0"/>
+              <a:t>Simulate the evolution of a Web service under different conditions</a:t>
+            </a:r>
+            <a:endParaRPr lang="en-US" i="1" dirty="0" smtClean="0"/>
+          </a:p>
+          <a:p>
+            <a:r>
+              <a:rPr lang="en-US" b="1" dirty="0" smtClean="0"/>
+              <a:t>Validation</a:t>
+            </a:r>
+            <a:r>
+              <a:rPr lang="en-US" dirty="0" smtClean="0"/>
+              <a:t> – </a:t>
+            </a:r>
+            <a:r>
+              <a:rPr lang="en-US" sz="2400" i="1" dirty="0" smtClean="0"/>
+              <a:t>Test whether a service behaves as expected</a:t>
+            </a:r>
+          </a:p>
+          <a:p>
+            <a:r>
+              <a:rPr lang="en-US" b="1" dirty="0" smtClean="0"/>
+              <a:t>Verification</a:t>
+            </a:r>
+            <a:r>
+              <a:rPr lang="en-US" dirty="0" smtClean="0"/>
+              <a:t> – </a:t>
+            </a:r>
+            <a:r>
+              <a:rPr lang="en-US" sz="2400" i="1" dirty="0" smtClean="0"/>
+              <a:t>Establish the upholding of properties</a:t>
+            </a:r>
+          </a:p>
+          <a:p>
+            <a:r>
+              <a:rPr lang="en-US" b="1" dirty="0" smtClean="0"/>
+              <a:t>Composition</a:t>
+            </a:r>
+            <a:r>
+              <a:rPr lang="en-US" dirty="0" smtClean="0"/>
+              <a:t> – </a:t>
+            </a:r>
+            <a:r>
+              <a:rPr lang="en-US" sz="2400" i="1" dirty="0" smtClean="0"/>
+              <a:t>Generate a composition of services that achieves a specific goal</a:t>
+            </a:r>
+          </a:p>
+          <a:p>
+            <a:r>
+              <a:rPr lang="en-US" b="1" dirty="0" smtClean="0"/>
+              <a:t>Performance Analysis </a:t>
+            </a:r>
+            <a:r>
+              <a:rPr lang="en-US" dirty="0" smtClean="0"/>
+              <a:t>– </a:t>
+            </a:r>
+            <a:r>
+              <a:rPr lang="en-US" sz="2400" i="1" dirty="0" smtClean="0"/>
+              <a:t>Evaluate the ability of a service to meet </a:t>
+            </a:r>
+            <a:r>
+              <a:rPr lang="en-US" sz="2400" i="1" dirty="0" err="1" smtClean="0"/>
+              <a:t>requirments</a:t>
+            </a:r>
+            <a:endParaRPr lang="en-US" i="1" dirty="0"/>
+          </a:p>
+        </p:txBody>
+      </p:sp>
+    </p:spTree>
+    <p:extLst>
+      <p:ext uri="{BB962C8B-B14F-4D97-AF65-F5344CB8AC3E}">
+        <p14:creationId xmlns:p14="http://schemas.microsoft.com/office/powerpoint/2010/main" val="1439535555"/>
+      </p:ext>
+    </p:extLst>
+  </p:cSld>
+  <p:clrMapOvr>
+    <a:masterClrMapping/>
+  </p:clrMapOvr>
+  <p:timing>
+    <p:tnLst>
+      <p:par>
+        <p:cTn id="1" dur="indefinite" restart="never" nodeType="tmRoot"/>
+      </p:par>
+    </p:tnLst>
+  </p:timing>
+</p:sld>
+</file>
+
+<file path=ppt/slides/slide13.xml><?xml version="1.0" encoding="utf-8"?>
+<p:sld xmlns:a="http://schemas.openxmlformats.org/drawingml/2006/main" xmlns:r="http://schemas.openxmlformats.org/officeDocument/2006/relationships" xmlns:p="http://schemas.openxmlformats.org/presentationml/2006/main">
+  <p:cSld>
+    <p:spTree>
+      <p:nvGrpSpPr>
+        <p:cNvPr id="1" name=""/>
+        <p:cNvGrpSpPr/>
+        <p:nvPr/>
+      </p:nvGrpSpPr>
+      <p:grpSpPr>
+        <a:xfrm>
+          <a:off x="0" y="0"/>
+          <a:ext cx="0" cy="0"/>
+          <a:chOff x="0" y="0"/>
+          <a:chExt cx="0" cy="0"/>
+        </a:xfrm>
+      </p:grpSpPr>
+      <p:sp>
+        <p:nvSpPr>
+          <p:cNvPr id="2" name="Τίτλος 1"/>
+          <p:cNvSpPr>
+            <a:spLocks noGrp="1"/>
+          </p:cNvSpPr>
+          <p:nvPr>
+            <p:ph type="title"/>
+          </p:nvPr>
+        </p:nvSpPr>
+        <p:spPr/>
+        <p:txBody>
+          <a:bodyPr/>
+          <a:lstStyle/>
+          <a:p>
+            <a:r>
+              <a:rPr lang="en-US" dirty="0" smtClean="0"/>
+              <a:t>Challenges of Verification</a:t>
+            </a:r>
+            <a:endParaRPr lang="en-US" dirty="0"/>
+          </a:p>
+        </p:txBody>
+      </p:sp>
+      <p:sp>
+        <p:nvSpPr>
+          <p:cNvPr id="3" name="Θέση περιεχομένου 2"/>
+          <p:cNvSpPr>
+            <a:spLocks noGrp="1"/>
+          </p:cNvSpPr>
+          <p:nvPr>
+            <p:ph idx="1"/>
+          </p:nvPr>
+        </p:nvSpPr>
+        <p:spPr/>
+        <p:txBody>
+          <a:bodyPr/>
+          <a:lstStyle/>
+          <a:p>
+            <a:r>
+              <a:rPr lang="en-US" dirty="0" smtClean="0"/>
+              <a:t>Reachability</a:t>
+            </a:r>
+          </a:p>
+          <a:p>
+            <a:pPr marL="0" indent="0">
+              <a:buNone/>
+            </a:pPr>
+            <a:endParaRPr lang="en-US" dirty="0" smtClean="0"/>
+          </a:p>
+          <a:p>
+            <a:r>
+              <a:rPr lang="en-US" sz="3600" dirty="0"/>
+              <a:t>Safety</a:t>
+            </a:r>
+            <a:r>
+              <a:rPr lang="en-US" dirty="0"/>
+              <a:t> </a:t>
+            </a:r>
+            <a:r>
+              <a:rPr lang="en-US" sz="2800" i="1" dirty="0"/>
+              <a:t>of a distributed system is </a:t>
+            </a:r>
+            <a:r>
+              <a:rPr lang="en-US" sz="2800" i="1" dirty="0" err="1"/>
+              <a:t>dened</a:t>
+            </a:r>
+            <a:r>
+              <a:rPr lang="en-US" sz="2800" i="1" dirty="0"/>
+              <a:t> as lack of reachability to </a:t>
+            </a:r>
+            <a:r>
+              <a:rPr lang="en-US" sz="2800" i="1" dirty="0" smtClean="0"/>
+              <a:t>an unsafe state</a:t>
+            </a:r>
+          </a:p>
+          <a:p>
+            <a:endParaRPr lang="en-US" i="1" dirty="0"/>
+          </a:p>
+          <a:p>
+            <a:r>
+              <a:rPr lang="en-US" dirty="0"/>
+              <a:t>Safety of Web Service </a:t>
+            </a:r>
+            <a:r>
+              <a:rPr lang="en-US" dirty="0" smtClean="0"/>
+              <a:t>Compositions</a:t>
+            </a:r>
+          </a:p>
+          <a:p>
+            <a:endParaRPr lang="en-US" dirty="0"/>
+          </a:p>
+          <a:p>
+            <a:r>
+              <a:rPr lang="en-US" dirty="0"/>
+              <a:t>Automated Composition of Web Services</a:t>
+            </a:r>
+            <a:endParaRPr lang="en-US" dirty="0"/>
+          </a:p>
+        </p:txBody>
+      </p:sp>
+    </p:spTree>
+    <p:extLst>
+      <p:ext uri="{BB962C8B-B14F-4D97-AF65-F5344CB8AC3E}">
+        <p14:creationId xmlns:p14="http://schemas.microsoft.com/office/powerpoint/2010/main" val="2944510001"/>
+      </p:ext>
+    </p:extLst>
+  </p:cSld>
+  <p:clrMapOvr>
+    <a:masterClrMapping/>
+  </p:clrMapOvr>
+  <p:timing>
+    <p:tnLst>
+      <p:par>
+        <p:cTn id="1" dur="indefinite" restart="never" nodeType="tmRoot"/>
+      </p:par>
+    </p:tnLst>
+  </p:timing>
+</p:sld>
+</file>
+
+<file path=ppt/slides/slide14.xml><?xml version="1.0" encoding="utf-8"?>
+<p:sld xmlns:a="http://schemas.openxmlformats.org/drawingml/2006/main" xmlns:r="http://schemas.openxmlformats.org/officeDocument/2006/relationships" xmlns:p="http://schemas.openxmlformats.org/presentationml/2006/main">
+  <p:cSld>
+    <p:spTree>
+      <p:nvGrpSpPr>
+        <p:cNvPr id="1" name=""/>
+        <p:cNvGrpSpPr/>
+        <p:nvPr/>
+      </p:nvGrpSpPr>
+      <p:grpSpPr>
+        <a:xfrm>
+          <a:off x="0" y="0"/>
+          <a:ext cx="0" cy="0"/>
+          <a:chOff x="0" y="0"/>
+          <a:chExt cx="0" cy="0"/>
+        </a:xfrm>
+      </p:grpSpPr>
+      <p:sp>
+        <p:nvSpPr>
+          <p:cNvPr id="2" name="Τίτλος 1"/>
+          <p:cNvSpPr>
+            <a:spLocks noGrp="1"/>
+          </p:cNvSpPr>
+          <p:nvPr>
+            <p:ph type="title"/>
+          </p:nvPr>
+        </p:nvSpPr>
+        <p:spPr/>
+        <p:txBody>
+          <a:bodyPr/>
+          <a:lstStyle/>
+          <a:p>
+            <a:r>
+              <a:rPr lang="en-US" dirty="0"/>
+              <a:t>Complexity of DAML-S services tasks</a:t>
+            </a:r>
+            <a:endParaRPr lang="en-US" dirty="0"/>
+          </a:p>
+        </p:txBody>
+      </p:sp>
+      <p:sp>
+        <p:nvSpPr>
+          <p:cNvPr id="3" name="Θέση περιεχομένου 2"/>
+          <p:cNvSpPr>
+            <a:spLocks noGrp="1"/>
+          </p:cNvSpPr>
+          <p:nvPr>
+            <p:ph idx="1"/>
+          </p:nvPr>
+        </p:nvSpPr>
+        <p:spPr/>
+        <p:txBody>
+          <a:bodyPr/>
+          <a:lstStyle/>
+          <a:p>
+            <a:endParaRPr lang="en-US" dirty="0"/>
+          </a:p>
+        </p:txBody>
+      </p:sp>
+      <p:pic>
+        <p:nvPicPr>
+          <p:cNvPr id="3074" name="Picture 2" descr="C:\Github\cs565\presentation\images\DAML-S-evaluation.png"/>
+          <p:cNvPicPr>
+            <a:picLocks noChangeAspect="1" noChangeArrowheads="1"/>
+          </p:cNvPicPr>
+          <p:nvPr/>
+        </p:nvPicPr>
+        <p:blipFill>
+          <a:blip r:embed="rId2">
+            <a:extLst>
+              <a:ext uri="{28A0092B-C50C-407E-A947-70E740481C1C}">
+                <a14:useLocalDpi xmlns:a14="http://schemas.microsoft.com/office/drawing/2010/main" val="0"/>
+              </a:ext>
+            </a:extLst>
+          </a:blip>
+          <a:srcRect/>
+          <a:stretch>
+            <a:fillRect/>
+          </a:stretch>
+        </p:blipFill>
+        <p:spPr bwMode="auto">
+          <a:xfrm>
+            <a:off x="331627" y="2348880"/>
+            <a:ext cx="8488845" cy="1994024"/>
+          </a:xfrm>
+          <a:prstGeom prst="rect">
+            <a:avLst/>
+          </a:prstGeom>
+          <a:noFill/>
+          <a:extLst>
+            <a:ext uri="{909E8E84-426E-40DD-AFC4-6F175D3DCCD1}">
+              <a14:hiddenFill xmlns:a14="http://schemas.microsoft.com/office/drawing/2010/main">
+                <a:solidFill>
+                  <a:srgbClr val="FFFFFF"/>
+                </a:solidFill>
+              </a14:hiddenFill>
+            </a:ext>
+          </a:extLst>
+        </p:spPr>
+      </p:pic>
+    </p:spTree>
+    <p:extLst>
+      <p:ext uri="{BB962C8B-B14F-4D97-AF65-F5344CB8AC3E}">
+        <p14:creationId xmlns:p14="http://schemas.microsoft.com/office/powerpoint/2010/main" val="4153335233"/>
+      </p:ext>
+    </p:extLst>
+  </p:cSld>
+  <p:clrMapOvr>
+    <a:masterClrMapping/>
+  </p:clrMapOvr>
+  <p:timing>
+    <p:tnLst>
+      <p:par>
+        <p:cTn id="1" dur="indefinite" restart="never" nodeType="tmRoot"/>
+      </p:par>
+    </p:tnLst>
+  </p:timing>
+</p:sld>
+</file>
+
+<file path=ppt/slides/slide15.xml><?xml version="1.0" encoding="utf-8"?>
+<p:sld xmlns:a="http://schemas.openxmlformats.org/drawingml/2006/main" xmlns:r="http://schemas.openxmlformats.org/officeDocument/2006/relationships" xmlns:p="http://schemas.openxmlformats.org/presentationml/2006/main">
+  <p:cSld>
+    <p:spTree>
+      <p:nvGrpSpPr>
+        <p:cNvPr id="1" name=""/>
+        <p:cNvGrpSpPr/>
+        <p:nvPr/>
+      </p:nvGrpSpPr>
+      <p:grpSpPr>
+        <a:xfrm>
+          <a:off x="0" y="0"/>
+          <a:ext cx="0" cy="0"/>
+          <a:chOff x="0" y="0"/>
+          <a:chExt cx="0" cy="0"/>
+        </a:xfrm>
+      </p:grpSpPr>
+      <p:sp>
+        <p:nvSpPr>
+          <p:cNvPr id="2" name="Τίτλος 1"/>
+          <p:cNvSpPr>
+            <a:spLocks noGrp="1"/>
+          </p:cNvSpPr>
+          <p:nvPr>
+            <p:ph type="title"/>
+          </p:nvPr>
+        </p:nvSpPr>
+        <p:spPr/>
+        <p:txBody>
+          <a:bodyPr/>
+          <a:lstStyle/>
+          <a:p>
+            <a:r>
+              <a:rPr lang="en-US" dirty="0" smtClean="0"/>
+              <a:t>Implementations</a:t>
+            </a:r>
+            <a:endParaRPr lang="en-US" dirty="0"/>
+          </a:p>
+        </p:txBody>
+      </p:sp>
+      <p:sp>
+        <p:nvSpPr>
+          <p:cNvPr id="3" name="Θέση περιεχομένου 2"/>
+          <p:cNvSpPr>
+            <a:spLocks noGrp="1"/>
+          </p:cNvSpPr>
+          <p:nvPr>
+            <p:ph idx="1"/>
+          </p:nvPr>
+        </p:nvSpPr>
+        <p:spPr/>
+        <p:txBody>
+          <a:bodyPr/>
+          <a:lstStyle/>
+          <a:p>
+            <a:pPr marL="0" indent="0">
+              <a:buNone/>
+            </a:pPr>
+            <a:r>
+              <a:rPr lang="en-US" dirty="0" smtClean="0"/>
+              <a:t>Simulation, Verification </a:t>
+            </a:r>
+            <a:r>
+              <a:rPr lang="en-US" dirty="0"/>
+              <a:t>and Automated Composition of Web </a:t>
+            </a:r>
+            <a:r>
+              <a:rPr lang="en-US" dirty="0" smtClean="0"/>
+              <a:t>Services -  </a:t>
+            </a:r>
+            <a:r>
+              <a:rPr lang="en-US" sz="2400" i="1" dirty="0" smtClean="0"/>
+              <a:t>Narayanan, </a:t>
+            </a:r>
+            <a:r>
+              <a:rPr lang="en-US" sz="2400" i="1" dirty="0" err="1" smtClean="0"/>
+              <a:t>McIlraith</a:t>
+            </a:r>
+            <a:endParaRPr lang="en-US" sz="2400" i="1" dirty="0" smtClean="0"/>
+          </a:p>
+          <a:p>
+            <a:pPr marL="0" indent="0">
+              <a:buNone/>
+            </a:pPr>
+            <a:endParaRPr lang="en-US" sz="2400" i="1" dirty="0"/>
+          </a:p>
+          <a:p>
+            <a:r>
+              <a:rPr lang="en-US" sz="2800" dirty="0" smtClean="0"/>
+              <a:t>A Java DAML-S Interpreter</a:t>
+            </a:r>
+          </a:p>
+          <a:p>
+            <a:endParaRPr lang="en-US" sz="2800" dirty="0" smtClean="0"/>
+          </a:p>
+          <a:p>
+            <a:r>
+              <a:rPr lang="en-US" sz="2800" dirty="0" smtClean="0"/>
+              <a:t>DAML-S limited markup language</a:t>
+            </a:r>
+          </a:p>
+          <a:p>
+            <a:endParaRPr lang="en-US" sz="2800" dirty="0" smtClean="0"/>
+          </a:p>
+          <a:p>
+            <a:r>
+              <a:rPr lang="en-US" sz="2800" dirty="0" smtClean="0"/>
+              <a:t>Modeling environment </a:t>
+            </a:r>
+            <a:r>
+              <a:rPr lang="en-US" sz="2800" dirty="0" err="1" smtClean="0"/>
+              <a:t>KarmaSIM</a:t>
+            </a:r>
+            <a:endParaRPr lang="en-US" sz="2800" dirty="0" smtClean="0"/>
+          </a:p>
+          <a:p>
+            <a:endParaRPr lang="en-US" sz="2400" dirty="0"/>
+          </a:p>
+          <a:p>
+            <a:endParaRPr lang="en-US" sz="2800" dirty="0"/>
+          </a:p>
+        </p:txBody>
+      </p:sp>
+    </p:spTree>
+    <p:extLst>
+      <p:ext uri="{BB962C8B-B14F-4D97-AF65-F5344CB8AC3E}">
+        <p14:creationId xmlns:p14="http://schemas.microsoft.com/office/powerpoint/2010/main" val="998036582"/>
+      </p:ext>
+    </p:extLst>
+  </p:cSld>
+  <p:clrMapOvr>
+    <a:masterClrMapping/>
+  </p:clrMapOvr>
 </p:sld>
 </file>
 
@@ -4816,7 +5721,6 @@
               <a:rPr lang="en-US" dirty="0"/>
               <a:t>using third-party ontologies</a:t>
             </a:r>
-            <a:endParaRPr lang="en-US" dirty="0"/>
           </a:p>
           <a:p>
             <a:endParaRPr lang="en-US" dirty="0" smtClean="0"/>
@@ -5694,7 +6598,6 @@
               <a:rPr lang="en-US" dirty="0"/>
               <a:t>Situation Calculus</a:t>
             </a:r>
-            <a:endParaRPr lang="en-US" dirty="0"/>
           </a:p>
         </p:txBody>
       </p:sp>
@@ -5996,7 +6899,6 @@
               <a:rPr lang="en-US" sz="2800" dirty="0"/>
               <a:t>in a distributed environment.</a:t>
             </a:r>
-            <a:endParaRPr lang="en-US" sz="2800" dirty="0"/>
           </a:p>
         </p:txBody>
       </p:sp>
